--- a/Lectures/10 - Partitioning Variability - ANOVA.pptx
+++ b/Lectures/10 - Partitioning Variability - ANOVA.pptx
@@ -5,10 +5,10 @@
     <p:sldMasterId id="2147484095" r:id="rId1"/>
   </p:sldMasterIdLst>
   <p:notesMasterIdLst>
-    <p:notesMasterId r:id="rId10"/>
+    <p:notesMasterId r:id="rId14"/>
   </p:notesMasterIdLst>
   <p:handoutMasterIdLst>
-    <p:handoutMasterId r:id="rId11"/>
+    <p:handoutMasterId r:id="rId15"/>
   </p:handoutMasterIdLst>
   <p:sldIdLst>
     <p:sldId id="256" r:id="rId2"/>
@@ -18,7 +18,11 @@
     <p:sldId id="390" r:id="rId6"/>
     <p:sldId id="388" r:id="rId7"/>
     <p:sldId id="391" r:id="rId8"/>
-    <p:sldId id="358" r:id="rId9"/>
+    <p:sldId id="393" r:id="rId9"/>
+    <p:sldId id="392" r:id="rId10"/>
+    <p:sldId id="394" r:id="rId11"/>
+    <p:sldId id="395" r:id="rId12"/>
+    <p:sldId id="358" r:id="rId13"/>
   </p:sldIdLst>
   <p:sldSz cx="12192000" cy="6858000"/>
   <p:notesSz cx="7315200" cy="9601200"/>
@@ -1247,6 +1251,454 @@
                 <a:defRPr/>
               </a:pPr>
               <a:t>8</a:t>
+            </a:fld>
+            <a:endParaRPr lang="en-US"/>
+          </a:p>
+        </p:txBody>
+      </p:sp>
+    </p:spTree>
+    <p:extLst>
+      <p:ext uri="{BB962C8B-B14F-4D97-AF65-F5344CB8AC3E}">
+        <p14:creationId xmlns:p14="http://schemas.microsoft.com/office/powerpoint/2010/main" val="564307452"/>
+      </p:ext>
+    </p:extLst>
+  </p:cSld>
+  <p:clrMapOvr>
+    <a:masterClrMapping/>
+  </p:clrMapOvr>
+</p:notes>
+</file>
+
+<file path=ppt/notesSlides/notesSlide6.xml><?xml version="1.0" encoding="utf-8"?>
+<p:notes xmlns:a="http://schemas.openxmlformats.org/drawingml/2006/main" xmlns:r="http://schemas.openxmlformats.org/officeDocument/2006/relationships" xmlns:p="http://schemas.openxmlformats.org/presentationml/2006/main">
+  <p:cSld>
+    <p:spTree>
+      <p:nvGrpSpPr>
+        <p:cNvPr id="1" name=""/>
+        <p:cNvGrpSpPr/>
+        <p:nvPr/>
+      </p:nvGrpSpPr>
+      <p:grpSpPr>
+        <a:xfrm>
+          <a:off x="0" y="0"/>
+          <a:ext cx="0" cy="0"/>
+          <a:chOff x="0" y="0"/>
+          <a:chExt cx="0" cy="0"/>
+        </a:xfrm>
+      </p:grpSpPr>
+      <p:sp>
+        <p:nvSpPr>
+          <p:cNvPr id="2" name="Slide Image Placeholder 1"/>
+          <p:cNvSpPr>
+            <a:spLocks noGrp="1" noRot="1" noChangeAspect="1"/>
+          </p:cNvSpPr>
+          <p:nvPr>
+            <p:ph type="sldImg"/>
+          </p:nvPr>
+        </p:nvSpPr>
+        <p:spPr/>
+      </p:sp>
+      <p:sp>
+        <p:nvSpPr>
+          <p:cNvPr id="3" name="Notes Placeholder 2"/>
+          <p:cNvSpPr>
+            <a:spLocks noGrp="1"/>
+          </p:cNvSpPr>
+          <p:nvPr>
+            <p:ph type="body" idx="1"/>
+          </p:nvPr>
+        </p:nvSpPr>
+        <p:spPr/>
+        <p:txBody>
+          <a:bodyPr/>
+          <a:lstStyle/>
+          <a:p>
+            <a:endParaRPr lang="en-US" dirty="0"/>
+          </a:p>
+        </p:txBody>
+      </p:sp>
+      <p:sp>
+        <p:nvSpPr>
+          <p:cNvPr id="4" name="Date Placeholder 3"/>
+          <p:cNvSpPr>
+            <a:spLocks noGrp="1"/>
+          </p:cNvSpPr>
+          <p:nvPr>
+            <p:ph type="dt" idx="1"/>
+          </p:nvPr>
+        </p:nvSpPr>
+        <p:spPr/>
+        <p:txBody>
+          <a:bodyPr/>
+          <a:lstStyle/>
+          <a:p>
+            <a:pPr>
+              <a:defRPr/>
+            </a:pPr>
+            <a:endParaRPr lang="en-US"/>
+          </a:p>
+        </p:txBody>
+      </p:sp>
+      <p:sp>
+        <p:nvSpPr>
+          <p:cNvPr id="5" name="Slide Number Placeholder 4"/>
+          <p:cNvSpPr>
+            <a:spLocks noGrp="1"/>
+          </p:cNvSpPr>
+          <p:nvPr>
+            <p:ph type="sldNum" sz="quarter" idx="5"/>
+          </p:nvPr>
+        </p:nvSpPr>
+        <p:spPr/>
+        <p:txBody>
+          <a:bodyPr/>
+          <a:lstStyle/>
+          <a:p>
+            <a:pPr>
+              <a:defRPr/>
+            </a:pPr>
+            <a:fld id="{6C70A9D8-DEDF-4F03-902A-0D8BAAEBE594}" type="slidenum">
+              <a:rPr lang="en-US" smtClean="0"/>
+              <a:pPr>
+                <a:defRPr/>
+              </a:pPr>
+              <a:t>9</a:t>
+            </a:fld>
+            <a:endParaRPr lang="en-US"/>
+          </a:p>
+        </p:txBody>
+      </p:sp>
+    </p:spTree>
+    <p:extLst>
+      <p:ext uri="{BB962C8B-B14F-4D97-AF65-F5344CB8AC3E}">
+        <p14:creationId xmlns:p14="http://schemas.microsoft.com/office/powerpoint/2010/main" val="3943240359"/>
+      </p:ext>
+    </p:extLst>
+  </p:cSld>
+  <p:clrMapOvr>
+    <a:masterClrMapping/>
+  </p:clrMapOvr>
+</p:notes>
+</file>
+
+<file path=ppt/notesSlides/notesSlide7.xml><?xml version="1.0" encoding="utf-8"?>
+<p:notes xmlns:a="http://schemas.openxmlformats.org/drawingml/2006/main" xmlns:r="http://schemas.openxmlformats.org/officeDocument/2006/relationships" xmlns:p="http://schemas.openxmlformats.org/presentationml/2006/main">
+  <p:cSld>
+    <p:spTree>
+      <p:nvGrpSpPr>
+        <p:cNvPr id="1" name=""/>
+        <p:cNvGrpSpPr/>
+        <p:nvPr/>
+      </p:nvGrpSpPr>
+      <p:grpSpPr>
+        <a:xfrm>
+          <a:off x="0" y="0"/>
+          <a:ext cx="0" cy="0"/>
+          <a:chOff x="0" y="0"/>
+          <a:chExt cx="0" cy="0"/>
+        </a:xfrm>
+      </p:grpSpPr>
+      <p:sp>
+        <p:nvSpPr>
+          <p:cNvPr id="2" name="Slide Image Placeholder 1"/>
+          <p:cNvSpPr>
+            <a:spLocks noGrp="1" noRot="1" noChangeAspect="1"/>
+          </p:cNvSpPr>
+          <p:nvPr>
+            <p:ph type="sldImg"/>
+          </p:nvPr>
+        </p:nvSpPr>
+        <p:spPr/>
+      </p:sp>
+      <p:sp>
+        <p:nvSpPr>
+          <p:cNvPr id="3" name="Notes Placeholder 2"/>
+          <p:cNvSpPr>
+            <a:spLocks noGrp="1"/>
+          </p:cNvSpPr>
+          <p:nvPr>
+            <p:ph type="body" idx="1"/>
+          </p:nvPr>
+        </p:nvSpPr>
+        <p:spPr/>
+        <p:txBody>
+          <a:bodyPr/>
+          <a:lstStyle/>
+          <a:p>
+            <a:endParaRPr lang="en-US" dirty="0"/>
+          </a:p>
+        </p:txBody>
+      </p:sp>
+      <p:sp>
+        <p:nvSpPr>
+          <p:cNvPr id="4" name="Date Placeholder 3"/>
+          <p:cNvSpPr>
+            <a:spLocks noGrp="1"/>
+          </p:cNvSpPr>
+          <p:nvPr>
+            <p:ph type="dt" idx="1"/>
+          </p:nvPr>
+        </p:nvSpPr>
+        <p:spPr/>
+        <p:txBody>
+          <a:bodyPr/>
+          <a:lstStyle/>
+          <a:p>
+            <a:pPr>
+              <a:defRPr/>
+            </a:pPr>
+            <a:endParaRPr lang="en-US"/>
+          </a:p>
+        </p:txBody>
+      </p:sp>
+      <p:sp>
+        <p:nvSpPr>
+          <p:cNvPr id="5" name="Slide Number Placeholder 4"/>
+          <p:cNvSpPr>
+            <a:spLocks noGrp="1"/>
+          </p:cNvSpPr>
+          <p:nvPr>
+            <p:ph type="sldNum" sz="quarter" idx="5"/>
+          </p:nvPr>
+        </p:nvSpPr>
+        <p:spPr/>
+        <p:txBody>
+          <a:bodyPr/>
+          <a:lstStyle/>
+          <a:p>
+            <a:pPr>
+              <a:defRPr/>
+            </a:pPr>
+            <a:fld id="{6C70A9D8-DEDF-4F03-902A-0D8BAAEBE594}" type="slidenum">
+              <a:rPr lang="en-US" smtClean="0"/>
+              <a:pPr>
+                <a:defRPr/>
+              </a:pPr>
+              <a:t>10</a:t>
+            </a:fld>
+            <a:endParaRPr lang="en-US"/>
+          </a:p>
+        </p:txBody>
+      </p:sp>
+    </p:spTree>
+    <p:extLst>
+      <p:ext uri="{BB962C8B-B14F-4D97-AF65-F5344CB8AC3E}">
+        <p14:creationId xmlns:p14="http://schemas.microsoft.com/office/powerpoint/2010/main" val="3820704301"/>
+      </p:ext>
+    </p:extLst>
+  </p:cSld>
+  <p:clrMapOvr>
+    <a:masterClrMapping/>
+  </p:clrMapOvr>
+</p:notes>
+</file>
+
+<file path=ppt/notesSlides/notesSlide8.xml><?xml version="1.0" encoding="utf-8"?>
+<p:notes xmlns:a="http://schemas.openxmlformats.org/drawingml/2006/main" xmlns:r="http://schemas.openxmlformats.org/officeDocument/2006/relationships" xmlns:p="http://schemas.openxmlformats.org/presentationml/2006/main">
+  <p:cSld>
+    <p:spTree>
+      <p:nvGrpSpPr>
+        <p:cNvPr id="1" name=""/>
+        <p:cNvGrpSpPr/>
+        <p:nvPr/>
+      </p:nvGrpSpPr>
+      <p:grpSpPr>
+        <a:xfrm>
+          <a:off x="0" y="0"/>
+          <a:ext cx="0" cy="0"/>
+          <a:chOff x="0" y="0"/>
+          <a:chExt cx="0" cy="0"/>
+        </a:xfrm>
+      </p:grpSpPr>
+      <p:sp>
+        <p:nvSpPr>
+          <p:cNvPr id="2" name="Slide Image Placeholder 1"/>
+          <p:cNvSpPr>
+            <a:spLocks noGrp="1" noRot="1" noChangeAspect="1"/>
+          </p:cNvSpPr>
+          <p:nvPr>
+            <p:ph type="sldImg"/>
+          </p:nvPr>
+        </p:nvSpPr>
+        <p:spPr/>
+      </p:sp>
+      <p:sp>
+        <p:nvSpPr>
+          <p:cNvPr id="3" name="Notes Placeholder 2"/>
+          <p:cNvSpPr>
+            <a:spLocks noGrp="1"/>
+          </p:cNvSpPr>
+          <p:nvPr>
+            <p:ph type="body" idx="1"/>
+          </p:nvPr>
+        </p:nvSpPr>
+        <p:spPr/>
+        <p:txBody>
+          <a:bodyPr/>
+          <a:lstStyle/>
+          <a:p>
+            <a:endParaRPr lang="en-US" dirty="0"/>
+          </a:p>
+        </p:txBody>
+      </p:sp>
+      <p:sp>
+        <p:nvSpPr>
+          <p:cNvPr id="4" name="Date Placeholder 3"/>
+          <p:cNvSpPr>
+            <a:spLocks noGrp="1"/>
+          </p:cNvSpPr>
+          <p:nvPr>
+            <p:ph type="dt" idx="1"/>
+          </p:nvPr>
+        </p:nvSpPr>
+        <p:spPr/>
+        <p:txBody>
+          <a:bodyPr/>
+          <a:lstStyle/>
+          <a:p>
+            <a:pPr>
+              <a:defRPr/>
+            </a:pPr>
+            <a:endParaRPr lang="en-US"/>
+          </a:p>
+        </p:txBody>
+      </p:sp>
+      <p:sp>
+        <p:nvSpPr>
+          <p:cNvPr id="5" name="Slide Number Placeholder 4"/>
+          <p:cNvSpPr>
+            <a:spLocks noGrp="1"/>
+          </p:cNvSpPr>
+          <p:nvPr>
+            <p:ph type="sldNum" sz="quarter" idx="5"/>
+          </p:nvPr>
+        </p:nvSpPr>
+        <p:spPr/>
+        <p:txBody>
+          <a:bodyPr/>
+          <a:lstStyle/>
+          <a:p>
+            <a:pPr>
+              <a:defRPr/>
+            </a:pPr>
+            <a:fld id="{6C70A9D8-DEDF-4F03-902A-0D8BAAEBE594}" type="slidenum">
+              <a:rPr lang="en-US" smtClean="0"/>
+              <a:pPr>
+                <a:defRPr/>
+              </a:pPr>
+              <a:t>11</a:t>
+            </a:fld>
+            <a:endParaRPr lang="en-US"/>
+          </a:p>
+        </p:txBody>
+      </p:sp>
+    </p:spTree>
+    <p:extLst>
+      <p:ext uri="{BB962C8B-B14F-4D97-AF65-F5344CB8AC3E}">
+        <p14:creationId xmlns:p14="http://schemas.microsoft.com/office/powerpoint/2010/main" val="344099566"/>
+      </p:ext>
+    </p:extLst>
+  </p:cSld>
+  <p:clrMapOvr>
+    <a:masterClrMapping/>
+  </p:clrMapOvr>
+</p:notes>
+</file>
+
+<file path=ppt/notesSlides/notesSlide9.xml><?xml version="1.0" encoding="utf-8"?>
+<p:notes xmlns:a="http://schemas.openxmlformats.org/drawingml/2006/main" xmlns:r="http://schemas.openxmlformats.org/officeDocument/2006/relationships" xmlns:p="http://schemas.openxmlformats.org/presentationml/2006/main">
+  <p:cSld>
+    <p:spTree>
+      <p:nvGrpSpPr>
+        <p:cNvPr id="1" name=""/>
+        <p:cNvGrpSpPr/>
+        <p:nvPr/>
+      </p:nvGrpSpPr>
+      <p:grpSpPr>
+        <a:xfrm>
+          <a:off x="0" y="0"/>
+          <a:ext cx="0" cy="0"/>
+          <a:chOff x="0" y="0"/>
+          <a:chExt cx="0" cy="0"/>
+        </a:xfrm>
+      </p:grpSpPr>
+      <p:sp>
+        <p:nvSpPr>
+          <p:cNvPr id="2" name="Slide Image Placeholder 1"/>
+          <p:cNvSpPr>
+            <a:spLocks noGrp="1" noRot="1" noChangeAspect="1"/>
+          </p:cNvSpPr>
+          <p:nvPr>
+            <p:ph type="sldImg"/>
+          </p:nvPr>
+        </p:nvSpPr>
+        <p:spPr/>
+      </p:sp>
+      <p:sp>
+        <p:nvSpPr>
+          <p:cNvPr id="3" name="Notes Placeholder 2"/>
+          <p:cNvSpPr>
+            <a:spLocks noGrp="1"/>
+          </p:cNvSpPr>
+          <p:nvPr>
+            <p:ph type="body" idx="1"/>
+          </p:nvPr>
+        </p:nvSpPr>
+        <p:spPr/>
+        <p:txBody>
+          <a:bodyPr/>
+          <a:lstStyle/>
+          <a:p>
+            <a:endParaRPr lang="en-US" dirty="0"/>
+          </a:p>
+        </p:txBody>
+      </p:sp>
+      <p:sp>
+        <p:nvSpPr>
+          <p:cNvPr id="4" name="Date Placeholder 3"/>
+          <p:cNvSpPr>
+            <a:spLocks noGrp="1"/>
+          </p:cNvSpPr>
+          <p:nvPr>
+            <p:ph type="dt" idx="1"/>
+          </p:nvPr>
+        </p:nvSpPr>
+        <p:spPr/>
+        <p:txBody>
+          <a:bodyPr/>
+          <a:lstStyle/>
+          <a:p>
+            <a:pPr>
+              <a:defRPr/>
+            </a:pPr>
+            <a:endParaRPr lang="en-US"/>
+          </a:p>
+        </p:txBody>
+      </p:sp>
+      <p:sp>
+        <p:nvSpPr>
+          <p:cNvPr id="5" name="Slide Number Placeholder 4"/>
+          <p:cNvSpPr>
+            <a:spLocks noGrp="1"/>
+          </p:cNvSpPr>
+          <p:nvPr>
+            <p:ph type="sldNum" sz="quarter" idx="5"/>
+          </p:nvPr>
+        </p:nvSpPr>
+        <p:spPr/>
+        <p:txBody>
+          <a:bodyPr/>
+          <a:lstStyle/>
+          <a:p>
+            <a:pPr>
+              <a:defRPr/>
+            </a:pPr>
+            <a:fld id="{6C70A9D8-DEDF-4F03-902A-0D8BAAEBE594}" type="slidenum">
+              <a:rPr lang="en-US" smtClean="0"/>
+              <a:pPr>
+                <a:defRPr/>
+              </a:pPr>
+              <a:t>12</a:t>
             </a:fld>
             <a:endParaRPr lang="en-US"/>
           </a:p>
@@ -5230,6 +5682,1130 @@
         </p:txBody>
       </p:sp>
     </p:spTree>
+  </p:cSld>
+  <p:clrMapOvr>
+    <a:masterClrMapping/>
+  </p:clrMapOvr>
+</p:sld>
+</file>
+
+<file path=ppt/slides/slide10.xml><?xml version="1.0" encoding="utf-8"?>
+<p:sld xmlns:a="http://schemas.openxmlformats.org/drawingml/2006/main" xmlns:r="http://schemas.openxmlformats.org/officeDocument/2006/relationships" xmlns:p="http://schemas.openxmlformats.org/presentationml/2006/main">
+  <p:cSld>
+    <p:spTree>
+      <p:nvGrpSpPr>
+        <p:cNvPr id="1" name=""/>
+        <p:cNvGrpSpPr/>
+        <p:nvPr/>
+      </p:nvGrpSpPr>
+      <p:grpSpPr>
+        <a:xfrm>
+          <a:off x="0" y="0"/>
+          <a:ext cx="0" cy="0"/>
+          <a:chOff x="0" y="0"/>
+          <a:chExt cx="0" cy="0"/>
+        </a:xfrm>
+      </p:grpSpPr>
+      <p:pic>
+        <p:nvPicPr>
+          <p:cNvPr id="2" name="Picture 10" descr="Mario Pattern">
+            <a:extLst>
+              <a:ext uri="{FF2B5EF4-FFF2-40B4-BE49-F238E27FC236}">
+                <a16:creationId xmlns:a16="http://schemas.microsoft.com/office/drawing/2014/main" id="{8F84FFD9-23AF-75F7-6DAA-904525952142}"/>
+              </a:ext>
+            </a:extLst>
+          </p:cNvPr>
+          <p:cNvPicPr>
+            <a:picLocks noChangeAspect="1" noChangeArrowheads="1"/>
+          </p:cNvPicPr>
+          <p:nvPr/>
+        </p:nvPicPr>
+        <p:blipFill rotWithShape="1">
+          <a:blip r:embed="rId3">
+            <a:alphaModFix amt="47000"/>
+            <a:extLst>
+              <a:ext uri="{28A0092B-C50C-407E-A947-70E740481C1C}">
+                <a14:useLocalDpi xmlns:a14="http://schemas.microsoft.com/office/drawing/2010/main" val="0"/>
+              </a:ext>
+            </a:extLst>
+          </a:blip>
+          <a:srcRect l="4595" r="6699"/>
+          <a:stretch/>
+        </p:blipFill>
+        <p:spPr bwMode="auto">
+          <a:xfrm>
+            <a:off x="0" y="-2057400"/>
+            <a:ext cx="12192000" cy="10308201"/>
+          </a:xfrm>
+          <a:prstGeom prst="rect">
+            <a:avLst/>
+          </a:prstGeom>
+          <a:noFill/>
+          <a:extLst>
+            <a:ext uri="{909E8E84-426E-40DD-AFC4-6F175D3DCCD1}">
+              <a14:hiddenFill xmlns:a14="http://schemas.microsoft.com/office/drawing/2010/main">
+                <a:solidFill>
+                  <a:srgbClr val="FFFFFF"/>
+                </a:solidFill>
+              </a14:hiddenFill>
+            </a:ext>
+          </a:extLst>
+        </p:spPr>
+      </p:pic>
+      <p:sp>
+        <p:nvSpPr>
+          <p:cNvPr id="12" name="Line 11"/>
+          <p:cNvSpPr>
+            <a:spLocks noChangeShapeType="1"/>
+          </p:cNvSpPr>
+          <p:nvPr/>
+        </p:nvSpPr>
+        <p:spPr bwMode="auto">
+          <a:xfrm flipV="1">
+            <a:off x="6972300" y="5109836"/>
+            <a:ext cx="609600" cy="533400"/>
+          </a:xfrm>
+          <a:prstGeom prst="line">
+            <a:avLst/>
+          </a:prstGeom>
+          <a:noFill/>
+          <a:ln w="38100">
+            <a:solidFill>
+              <a:srgbClr val="FFFF66"/>
+            </a:solidFill>
+            <a:round/>
+            <a:headEnd/>
+            <a:tailEnd type="triangle" w="med" len="med"/>
+          </a:ln>
+          <a:extLst>
+            <a:ext uri="{909E8E84-426E-40DD-AFC4-6F175D3DCCD1}">
+              <a14:hiddenFill xmlns:a14="http://schemas.microsoft.com/office/drawing/2010/main">
+                <a:noFill/>
+              </a14:hiddenFill>
+            </a:ext>
+          </a:extLst>
+        </p:spPr>
+        <p:txBody>
+          <a:bodyPr wrap="square">
+            <a:spAutoFit/>
+          </a:bodyPr>
+          <a:lstStyle/>
+          <a:p>
+            <a:endParaRPr lang="en-US"/>
+          </a:p>
+        </p:txBody>
+      </p:sp>
+      <p:sp>
+        <p:nvSpPr>
+          <p:cNvPr id="6" name="TextBox 5">
+            <a:extLst>
+              <a:ext uri="{FF2B5EF4-FFF2-40B4-BE49-F238E27FC236}">
+                <a16:creationId xmlns:a16="http://schemas.microsoft.com/office/drawing/2014/main" id="{4F2DA592-D8EB-70BA-2112-6C13A4E7B393}"/>
+              </a:ext>
+            </a:extLst>
+          </p:cNvPr>
+          <p:cNvSpPr txBox="1"/>
+          <p:nvPr/>
+        </p:nvSpPr>
+        <p:spPr>
+          <a:xfrm>
+            <a:off x="495300" y="606817"/>
+            <a:ext cx="11201400" cy="919401"/>
+          </a:xfrm>
+          <a:prstGeom prst="roundRect">
+            <a:avLst/>
+          </a:prstGeom>
+          <a:solidFill>
+            <a:schemeClr val="bg1">
+              <a:alpha val="70000"/>
+            </a:schemeClr>
+          </a:solidFill>
+          <a:ln w="76200">
+            <a:solidFill>
+              <a:srgbClr val="FFC416"/>
+            </a:solidFill>
+          </a:ln>
+        </p:spPr>
+        <p:style>
+          <a:lnRef idx="2">
+            <a:schemeClr val="dk1"/>
+          </a:lnRef>
+          <a:fillRef idx="1">
+            <a:schemeClr val="lt1"/>
+          </a:fillRef>
+          <a:effectRef idx="0">
+            <a:schemeClr val="dk1"/>
+          </a:effectRef>
+          <a:fontRef idx="minor">
+            <a:schemeClr val="dk1"/>
+          </a:fontRef>
+        </p:style>
+        <p:txBody>
+          <a:bodyPr wrap="square" rtlCol="0">
+            <a:spAutoFit/>
+          </a:bodyPr>
+          <a:lstStyle/>
+          <a:p>
+            <a:pPr algn="ctr"/>
+            <a:r>
+              <a:rPr lang="en-US" sz="4800" b="1" dirty="0">
+                <a:solidFill>
+                  <a:srgbClr val="2D3A37"/>
+                </a:solidFill>
+                <a:latin typeface="Adobe Devanagari" panose="02040503050201020203" pitchFamily="18" charset="0"/>
+                <a:cs typeface="Adobe Devanagari" panose="02040503050201020203" pitchFamily="18" charset="0"/>
+              </a:rPr>
+              <a:t>Example: Fatalities</a:t>
+            </a:r>
+            <a:endParaRPr lang="en-US" sz="4800" dirty="0">
+              <a:solidFill>
+                <a:srgbClr val="2D3A37"/>
+              </a:solidFill>
+            </a:endParaRPr>
+          </a:p>
+        </p:txBody>
+      </p:sp>
+      <p:sp>
+        <p:nvSpPr>
+          <p:cNvPr id="7" name="TextBox 6">
+            <a:extLst>
+              <a:ext uri="{FF2B5EF4-FFF2-40B4-BE49-F238E27FC236}">
+                <a16:creationId xmlns:a16="http://schemas.microsoft.com/office/drawing/2014/main" id="{D9B238EA-D04E-3255-7509-F990F1A8F309}"/>
+              </a:ext>
+            </a:extLst>
+          </p:cNvPr>
+          <p:cNvSpPr txBox="1"/>
+          <p:nvPr/>
+        </p:nvSpPr>
+        <p:spPr>
+          <a:xfrm>
+            <a:off x="495300" y="1974467"/>
+            <a:ext cx="11201400" cy="4869418"/>
+          </a:xfrm>
+          <a:prstGeom prst="roundRect">
+            <a:avLst/>
+          </a:prstGeom>
+          <a:solidFill>
+            <a:schemeClr val="bg1"/>
+          </a:solidFill>
+          <a:ln w="76200">
+            <a:solidFill>
+              <a:srgbClr val="FFC416"/>
+            </a:solidFill>
+          </a:ln>
+        </p:spPr>
+        <p:style>
+          <a:lnRef idx="2">
+            <a:schemeClr val="dk1"/>
+          </a:lnRef>
+          <a:fillRef idx="1">
+            <a:schemeClr val="lt1"/>
+          </a:fillRef>
+          <a:effectRef idx="0">
+            <a:schemeClr val="dk1"/>
+          </a:effectRef>
+          <a:fontRef idx="minor">
+            <a:schemeClr val="dk1"/>
+          </a:fontRef>
+        </p:style>
+        <p:txBody>
+          <a:bodyPr wrap="square" rtlCol="0">
+            <a:spAutoFit/>
+          </a:bodyPr>
+          <a:lstStyle/>
+          <a:p>
+            <a:pPr marL="457200" indent="-457200">
+              <a:buFont typeface="Arial" panose="020B0604020202020204" pitchFamily="34" charset="0"/>
+              <a:buChar char="•"/>
+            </a:pPr>
+            <a:r>
+              <a:rPr lang="en-US" sz="2800" dirty="0">
+                <a:solidFill>
+                  <a:srgbClr val="660066"/>
+                </a:solidFill>
+              </a:rPr>
+              <a:t>Question: </a:t>
+            </a:r>
+            <a:r>
+              <a:rPr lang="en-US" sz="2800" i="1" dirty="0">
+                <a:solidFill>
+                  <a:srgbClr val="660066"/>
+                </a:solidFill>
+              </a:rPr>
+              <a:t>Is there a linear relationship between the proportion of  young drivers in a state and the number of vehicle fatalities in a state?</a:t>
+            </a:r>
+          </a:p>
+          <a:p>
+            <a:pPr marL="457200" indent="-457200">
+              <a:buFont typeface="Arial" panose="020B0604020202020204" pitchFamily="34" charset="0"/>
+              <a:buChar char="•"/>
+            </a:pPr>
+            <a:endParaRPr lang="en-US" sz="2800" i="1" dirty="0">
+              <a:solidFill>
+                <a:srgbClr val="660066"/>
+              </a:solidFill>
+            </a:endParaRPr>
+          </a:p>
+          <a:p>
+            <a:pPr marL="457200" indent="-457200">
+              <a:buFont typeface="Arial" panose="020B0604020202020204" pitchFamily="34" charset="0"/>
+              <a:buChar char="•"/>
+            </a:pPr>
+            <a:r>
+              <a:rPr lang="en-US" sz="2800" dirty="0">
+                <a:solidFill>
+                  <a:srgbClr val="660066"/>
+                </a:solidFill>
+              </a:rPr>
+              <a:t>Data for States from 1982 Through 1988</a:t>
+            </a:r>
+          </a:p>
+          <a:p>
+            <a:pPr marL="914400" lvl="1" indent="-457200">
+              <a:buFont typeface="Arial" panose="020B0604020202020204" pitchFamily="34" charset="0"/>
+              <a:buChar char="•"/>
+            </a:pPr>
+            <a:r>
+              <a:rPr lang="en-US" sz="2800" dirty="0">
+                <a:solidFill>
+                  <a:srgbClr val="660066"/>
+                </a:solidFill>
+              </a:rPr>
+              <a:t>From AER Package</a:t>
+            </a:r>
+          </a:p>
+          <a:p>
+            <a:pPr marL="914400" lvl="1" indent="-457200">
+              <a:buFont typeface="Arial" panose="020B0604020202020204" pitchFamily="34" charset="0"/>
+              <a:buChar char="•"/>
+            </a:pPr>
+            <a:r>
+              <a:rPr lang="en-US" sz="2800" i="1" dirty="0">
+                <a:solidFill>
+                  <a:srgbClr val="660066"/>
+                </a:solidFill>
+              </a:rPr>
+              <a:t>fatal = </a:t>
+            </a:r>
+            <a:r>
+              <a:rPr lang="en-US" sz="2800" dirty="0">
+                <a:solidFill>
+                  <a:srgbClr val="660066"/>
+                </a:solidFill>
+              </a:rPr>
+              <a:t>Number of Vehicle Fatalities</a:t>
+            </a:r>
+          </a:p>
+          <a:p>
+            <a:pPr marL="914400" lvl="1" indent="-457200">
+              <a:buFont typeface="Arial" panose="020B0604020202020204" pitchFamily="34" charset="0"/>
+              <a:buChar char="•"/>
+            </a:pPr>
+            <a:r>
+              <a:rPr lang="en-US" sz="2800" i="1" dirty="0" err="1">
+                <a:solidFill>
+                  <a:srgbClr val="660066"/>
+                </a:solidFill>
+              </a:rPr>
+              <a:t>youngdrivers</a:t>
+            </a:r>
+            <a:r>
+              <a:rPr lang="en-US" sz="2800" i="1" dirty="0">
+                <a:solidFill>
+                  <a:srgbClr val="660066"/>
+                </a:solidFill>
+              </a:rPr>
+              <a:t> =</a:t>
+            </a:r>
+            <a:r>
+              <a:rPr lang="en-US" sz="2800" dirty="0">
+                <a:solidFill>
+                  <a:srgbClr val="660066"/>
+                </a:solidFill>
+              </a:rPr>
+              <a:t> Percent of Drivers Aged 15 – 24 (inclusive)</a:t>
+            </a:r>
+          </a:p>
+          <a:p>
+            <a:pPr marL="914400" lvl="1" indent="-457200">
+              <a:buFont typeface="Arial" panose="020B0604020202020204" pitchFamily="34" charset="0"/>
+              <a:buChar char="•"/>
+            </a:pPr>
+            <a:endParaRPr lang="en-US" sz="2800" i="1" dirty="0">
+              <a:solidFill>
+                <a:srgbClr val="660066"/>
+              </a:solidFill>
+            </a:endParaRPr>
+          </a:p>
+          <a:p>
+            <a:pPr marL="457200" indent="-457200">
+              <a:buFont typeface="Arial" panose="020B0604020202020204" pitchFamily="34" charset="0"/>
+              <a:buChar char="•"/>
+            </a:pPr>
+            <a:r>
+              <a:rPr lang="en-US" sz="2800" dirty="0">
+                <a:solidFill>
+                  <a:srgbClr val="660066"/>
+                </a:solidFill>
+              </a:rPr>
+              <a:t>Question: </a:t>
+            </a:r>
+            <a:r>
+              <a:rPr lang="en-US" sz="2800" i="1" dirty="0">
+                <a:solidFill>
+                  <a:srgbClr val="660066"/>
+                </a:solidFill>
+              </a:rPr>
+              <a:t>What is the problem with fitting a linear regression for the relationship </a:t>
+            </a:r>
+            <a:r>
+              <a:rPr lang="en-US" sz="2800" b="1" i="1" dirty="0">
+                <a:solidFill>
+                  <a:srgbClr val="660066"/>
+                </a:solidFill>
+              </a:rPr>
+              <a:t>fatal </a:t>
+            </a:r>
+            <a:r>
+              <a:rPr lang="en-US" sz="2800" i="1" dirty="0">
+                <a:solidFill>
+                  <a:srgbClr val="660066"/>
+                </a:solidFill>
+              </a:rPr>
+              <a:t>versus </a:t>
+            </a:r>
+            <a:r>
+              <a:rPr lang="en-US" sz="2800" b="1" i="1" dirty="0" err="1">
+                <a:solidFill>
+                  <a:srgbClr val="660066"/>
+                </a:solidFill>
+              </a:rPr>
+              <a:t>youngdrivers</a:t>
+            </a:r>
+            <a:r>
+              <a:rPr lang="en-US" sz="2800" i="1" dirty="0">
+                <a:solidFill>
+                  <a:srgbClr val="660066"/>
+                </a:solidFill>
+              </a:rPr>
+              <a:t>?</a:t>
+            </a:r>
+            <a:endParaRPr lang="en-US" sz="2800" dirty="0">
+              <a:solidFill>
+                <a:srgbClr val="660066"/>
+              </a:solidFill>
+            </a:endParaRPr>
+          </a:p>
+        </p:txBody>
+      </p:sp>
+    </p:spTree>
+    <p:extLst>
+      <p:ext uri="{BB962C8B-B14F-4D97-AF65-F5344CB8AC3E}">
+        <p14:creationId xmlns:p14="http://schemas.microsoft.com/office/powerpoint/2010/main" val="1342469043"/>
+      </p:ext>
+    </p:extLst>
+  </p:cSld>
+  <p:clrMapOvr>
+    <a:masterClrMapping/>
+  </p:clrMapOvr>
+</p:sld>
+</file>
+
+<file path=ppt/slides/slide11.xml><?xml version="1.0" encoding="utf-8"?>
+<p:sld xmlns:a="http://schemas.openxmlformats.org/drawingml/2006/main" xmlns:r="http://schemas.openxmlformats.org/officeDocument/2006/relationships" xmlns:p="http://schemas.openxmlformats.org/presentationml/2006/main">
+  <p:cSld>
+    <p:spTree>
+      <p:nvGrpSpPr>
+        <p:cNvPr id="1" name=""/>
+        <p:cNvGrpSpPr/>
+        <p:nvPr/>
+      </p:nvGrpSpPr>
+      <p:grpSpPr>
+        <a:xfrm>
+          <a:off x="0" y="0"/>
+          <a:ext cx="0" cy="0"/>
+          <a:chOff x="0" y="0"/>
+          <a:chExt cx="0" cy="0"/>
+        </a:xfrm>
+      </p:grpSpPr>
+      <p:pic>
+        <p:nvPicPr>
+          <p:cNvPr id="2" name="Picture 10" descr="Mario Pattern">
+            <a:extLst>
+              <a:ext uri="{FF2B5EF4-FFF2-40B4-BE49-F238E27FC236}">
+                <a16:creationId xmlns:a16="http://schemas.microsoft.com/office/drawing/2014/main" id="{8F84FFD9-23AF-75F7-6DAA-904525952142}"/>
+              </a:ext>
+            </a:extLst>
+          </p:cNvPr>
+          <p:cNvPicPr>
+            <a:picLocks noChangeAspect="1" noChangeArrowheads="1"/>
+          </p:cNvPicPr>
+          <p:nvPr/>
+        </p:nvPicPr>
+        <p:blipFill rotWithShape="1">
+          <a:blip r:embed="rId3">
+            <a:alphaModFix amt="47000"/>
+            <a:extLst>
+              <a:ext uri="{28A0092B-C50C-407E-A947-70E740481C1C}">
+                <a14:useLocalDpi xmlns:a14="http://schemas.microsoft.com/office/drawing/2010/main" val="0"/>
+              </a:ext>
+            </a:extLst>
+          </a:blip>
+          <a:srcRect l="4595" r="6699"/>
+          <a:stretch/>
+        </p:blipFill>
+        <p:spPr bwMode="auto">
+          <a:xfrm>
+            <a:off x="0" y="-2057400"/>
+            <a:ext cx="12192000" cy="10308201"/>
+          </a:xfrm>
+          <a:prstGeom prst="rect">
+            <a:avLst/>
+          </a:prstGeom>
+          <a:noFill/>
+          <a:extLst>
+            <a:ext uri="{909E8E84-426E-40DD-AFC4-6F175D3DCCD1}">
+              <a14:hiddenFill xmlns:a14="http://schemas.microsoft.com/office/drawing/2010/main">
+                <a:solidFill>
+                  <a:srgbClr val="FFFFFF"/>
+                </a:solidFill>
+              </a14:hiddenFill>
+            </a:ext>
+          </a:extLst>
+        </p:spPr>
+      </p:pic>
+      <p:sp>
+        <p:nvSpPr>
+          <p:cNvPr id="12" name="Line 11"/>
+          <p:cNvSpPr>
+            <a:spLocks noChangeShapeType="1"/>
+          </p:cNvSpPr>
+          <p:nvPr/>
+        </p:nvSpPr>
+        <p:spPr bwMode="auto">
+          <a:xfrm flipV="1">
+            <a:off x="6972300" y="5109836"/>
+            <a:ext cx="609600" cy="533400"/>
+          </a:xfrm>
+          <a:prstGeom prst="line">
+            <a:avLst/>
+          </a:prstGeom>
+          <a:noFill/>
+          <a:ln w="38100">
+            <a:solidFill>
+              <a:srgbClr val="FFFF66"/>
+            </a:solidFill>
+            <a:round/>
+            <a:headEnd/>
+            <a:tailEnd type="triangle" w="med" len="med"/>
+          </a:ln>
+          <a:extLst>
+            <a:ext uri="{909E8E84-426E-40DD-AFC4-6F175D3DCCD1}">
+              <a14:hiddenFill xmlns:a14="http://schemas.microsoft.com/office/drawing/2010/main">
+                <a:noFill/>
+              </a14:hiddenFill>
+            </a:ext>
+          </a:extLst>
+        </p:spPr>
+        <p:txBody>
+          <a:bodyPr wrap="square">
+            <a:spAutoFit/>
+          </a:bodyPr>
+          <a:lstStyle/>
+          <a:p>
+            <a:endParaRPr lang="en-US"/>
+          </a:p>
+        </p:txBody>
+      </p:sp>
+      <p:sp>
+        <p:nvSpPr>
+          <p:cNvPr id="6" name="TextBox 5">
+            <a:extLst>
+              <a:ext uri="{FF2B5EF4-FFF2-40B4-BE49-F238E27FC236}">
+                <a16:creationId xmlns:a16="http://schemas.microsoft.com/office/drawing/2014/main" id="{4F2DA592-D8EB-70BA-2112-6C13A4E7B393}"/>
+              </a:ext>
+            </a:extLst>
+          </p:cNvPr>
+          <p:cNvSpPr txBox="1"/>
+          <p:nvPr/>
+        </p:nvSpPr>
+        <p:spPr>
+          <a:xfrm>
+            <a:off x="495300" y="606817"/>
+            <a:ext cx="11201400" cy="919401"/>
+          </a:xfrm>
+          <a:prstGeom prst="roundRect">
+            <a:avLst/>
+          </a:prstGeom>
+          <a:solidFill>
+            <a:schemeClr val="bg1">
+              <a:alpha val="70000"/>
+            </a:schemeClr>
+          </a:solidFill>
+          <a:ln w="76200">
+            <a:solidFill>
+              <a:srgbClr val="FFC416"/>
+            </a:solidFill>
+          </a:ln>
+        </p:spPr>
+        <p:style>
+          <a:lnRef idx="2">
+            <a:schemeClr val="dk1"/>
+          </a:lnRef>
+          <a:fillRef idx="1">
+            <a:schemeClr val="lt1"/>
+          </a:fillRef>
+          <a:effectRef idx="0">
+            <a:schemeClr val="dk1"/>
+          </a:effectRef>
+          <a:fontRef idx="minor">
+            <a:schemeClr val="dk1"/>
+          </a:fontRef>
+        </p:style>
+        <p:txBody>
+          <a:bodyPr wrap="square" rtlCol="0">
+            <a:spAutoFit/>
+          </a:bodyPr>
+          <a:lstStyle/>
+          <a:p>
+            <a:pPr algn="ctr"/>
+            <a:r>
+              <a:rPr lang="en-US" sz="4800" b="1" dirty="0">
+                <a:solidFill>
+                  <a:srgbClr val="2D3A37"/>
+                </a:solidFill>
+                <a:latin typeface="Adobe Devanagari" panose="02040503050201020203" pitchFamily="18" charset="0"/>
+                <a:cs typeface="Adobe Devanagari" panose="02040503050201020203" pitchFamily="18" charset="0"/>
+              </a:rPr>
+              <a:t>Supplement for Lecture 10</a:t>
+            </a:r>
+            <a:endParaRPr lang="en-US" sz="4800" dirty="0">
+              <a:solidFill>
+                <a:srgbClr val="2D3A37"/>
+              </a:solidFill>
+            </a:endParaRPr>
+          </a:p>
+        </p:txBody>
+      </p:sp>
+      <p:sp>
+        <p:nvSpPr>
+          <p:cNvPr id="7" name="TextBox 6">
+            <a:extLst>
+              <a:ext uri="{FF2B5EF4-FFF2-40B4-BE49-F238E27FC236}">
+                <a16:creationId xmlns:a16="http://schemas.microsoft.com/office/drawing/2014/main" id="{D9B238EA-D04E-3255-7509-F990F1A8F309}"/>
+              </a:ext>
+            </a:extLst>
+          </p:cNvPr>
+          <p:cNvSpPr txBox="1"/>
+          <p:nvPr/>
+        </p:nvSpPr>
+        <p:spPr>
+          <a:xfrm>
+            <a:off x="495300" y="1974467"/>
+            <a:ext cx="11201400" cy="3439239"/>
+          </a:xfrm>
+          <a:prstGeom prst="roundRect">
+            <a:avLst/>
+          </a:prstGeom>
+          <a:solidFill>
+            <a:schemeClr val="bg1"/>
+          </a:solidFill>
+          <a:ln w="76200">
+            <a:solidFill>
+              <a:srgbClr val="FFC416"/>
+            </a:solidFill>
+          </a:ln>
+        </p:spPr>
+        <p:style>
+          <a:lnRef idx="2">
+            <a:schemeClr val="dk1"/>
+          </a:lnRef>
+          <a:fillRef idx="1">
+            <a:schemeClr val="lt1"/>
+          </a:fillRef>
+          <a:effectRef idx="0">
+            <a:schemeClr val="dk1"/>
+          </a:effectRef>
+          <a:fontRef idx="minor">
+            <a:schemeClr val="dk1"/>
+          </a:fontRef>
+        </p:style>
+        <p:txBody>
+          <a:bodyPr wrap="square" rtlCol="0">
+            <a:spAutoFit/>
+          </a:bodyPr>
+          <a:lstStyle/>
+          <a:p>
+            <a:pPr marL="457200" indent="-457200">
+              <a:buFont typeface="Arial" panose="020B0604020202020204" pitchFamily="34" charset="0"/>
+              <a:buChar char="•"/>
+            </a:pPr>
+            <a:r>
+              <a:rPr lang="en-US" sz="2800" dirty="0">
+                <a:solidFill>
+                  <a:srgbClr val="660066"/>
+                </a:solidFill>
+              </a:rPr>
+              <a:t>Conducting t-Test for Slope</a:t>
+            </a:r>
+          </a:p>
+          <a:p>
+            <a:pPr marL="457200" indent="-457200">
+              <a:buFont typeface="Arial" panose="020B0604020202020204" pitchFamily="34" charset="0"/>
+              <a:buChar char="•"/>
+            </a:pPr>
+            <a:endParaRPr lang="en-US" sz="2800" dirty="0">
+              <a:solidFill>
+                <a:srgbClr val="660066"/>
+              </a:solidFill>
+            </a:endParaRPr>
+          </a:p>
+          <a:p>
+            <a:pPr marL="457200" indent="-457200">
+              <a:buFont typeface="Arial" panose="020B0604020202020204" pitchFamily="34" charset="0"/>
+              <a:buChar char="•"/>
+            </a:pPr>
+            <a:r>
+              <a:rPr lang="en-US" sz="2800" dirty="0">
+                <a:solidFill>
+                  <a:srgbClr val="660066"/>
+                </a:solidFill>
+              </a:rPr>
+              <a:t>Confidence Interval for Parameters</a:t>
+            </a:r>
+          </a:p>
+          <a:p>
+            <a:pPr marL="457200" indent="-457200">
+              <a:buFont typeface="Arial" panose="020B0604020202020204" pitchFamily="34" charset="0"/>
+              <a:buChar char="•"/>
+            </a:pPr>
+            <a:endParaRPr lang="en-US" sz="2800" dirty="0">
+              <a:solidFill>
+                <a:srgbClr val="660066"/>
+              </a:solidFill>
+            </a:endParaRPr>
+          </a:p>
+          <a:p>
+            <a:pPr marL="457200" indent="-457200">
+              <a:buFont typeface="Arial" panose="020B0604020202020204" pitchFamily="34" charset="0"/>
+              <a:buChar char="•"/>
+            </a:pPr>
+            <a:r>
+              <a:rPr lang="en-US" sz="2800" dirty="0">
+                <a:solidFill>
+                  <a:srgbClr val="660066"/>
+                </a:solidFill>
+              </a:rPr>
+              <a:t>Getting ANOVA Table</a:t>
+            </a:r>
+          </a:p>
+          <a:p>
+            <a:pPr marL="457200" indent="-457200">
+              <a:buFont typeface="Arial" panose="020B0604020202020204" pitchFamily="34" charset="0"/>
+              <a:buChar char="•"/>
+            </a:pPr>
+            <a:endParaRPr lang="en-US" sz="2800" dirty="0">
+              <a:solidFill>
+                <a:srgbClr val="660066"/>
+              </a:solidFill>
+            </a:endParaRPr>
+          </a:p>
+          <a:p>
+            <a:pPr marL="457200" indent="-457200">
+              <a:buFont typeface="Arial" panose="020B0604020202020204" pitchFamily="34" charset="0"/>
+              <a:buChar char="•"/>
+            </a:pPr>
+            <a:r>
+              <a:rPr lang="en-US" sz="2800" dirty="0">
+                <a:solidFill>
+                  <a:srgbClr val="660066"/>
+                </a:solidFill>
+              </a:rPr>
+              <a:t>Conducting F-test and Comparing Results</a:t>
+            </a:r>
+          </a:p>
+        </p:txBody>
+      </p:sp>
+    </p:spTree>
+    <p:extLst>
+      <p:ext uri="{BB962C8B-B14F-4D97-AF65-F5344CB8AC3E}">
+        <p14:creationId xmlns:p14="http://schemas.microsoft.com/office/powerpoint/2010/main" val="4168409336"/>
+      </p:ext>
+    </p:extLst>
+  </p:cSld>
+  <p:clrMapOvr>
+    <a:masterClrMapping/>
+  </p:clrMapOvr>
+</p:sld>
+</file>
+
+<file path=ppt/slides/slide12.xml><?xml version="1.0" encoding="utf-8"?>
+<p:sld xmlns:a="http://schemas.openxmlformats.org/drawingml/2006/main" xmlns:r="http://schemas.openxmlformats.org/officeDocument/2006/relationships" xmlns:p="http://schemas.openxmlformats.org/presentationml/2006/main">
+  <p:cSld>
+    <p:spTree>
+      <p:nvGrpSpPr>
+        <p:cNvPr id="1" name=""/>
+        <p:cNvGrpSpPr/>
+        <p:nvPr/>
+      </p:nvGrpSpPr>
+      <p:grpSpPr>
+        <a:xfrm>
+          <a:off x="0" y="0"/>
+          <a:ext cx="0" cy="0"/>
+          <a:chOff x="0" y="0"/>
+          <a:chExt cx="0" cy="0"/>
+        </a:xfrm>
+      </p:grpSpPr>
+      <p:sp>
+        <p:nvSpPr>
+          <p:cNvPr id="10" name="Rectangle: Rounded Corners 9">
+            <a:extLst>
+              <a:ext uri="{FF2B5EF4-FFF2-40B4-BE49-F238E27FC236}">
+                <a16:creationId xmlns:a16="http://schemas.microsoft.com/office/drawing/2014/main" id="{6EE0EA48-9FEB-2763-FFA9-DF5F6F8911FB}"/>
+              </a:ext>
+            </a:extLst>
+          </p:cNvPr>
+          <p:cNvSpPr/>
+          <p:nvPr/>
+        </p:nvSpPr>
+        <p:spPr>
+          <a:xfrm>
+            <a:off x="302299" y="235037"/>
+            <a:ext cx="11587397" cy="6387923"/>
+          </a:xfrm>
+          <a:prstGeom prst="roundRect">
+            <a:avLst>
+              <a:gd name="adj" fmla="val 18853"/>
+            </a:avLst>
+          </a:prstGeom>
+          <a:noFill/>
+          <a:ln w="12700">
+            <a:solidFill>
+              <a:srgbClr val="660066"/>
+            </a:solidFill>
+          </a:ln>
+        </p:spPr>
+        <p:style>
+          <a:lnRef idx="2">
+            <a:schemeClr val="accent1">
+              <a:shade val="15000"/>
+            </a:schemeClr>
+          </a:lnRef>
+          <a:fillRef idx="1">
+            <a:schemeClr val="accent1"/>
+          </a:fillRef>
+          <a:effectRef idx="0">
+            <a:schemeClr val="accent1"/>
+          </a:effectRef>
+          <a:fontRef idx="minor">
+            <a:schemeClr val="lt1"/>
+          </a:fontRef>
+        </p:style>
+        <p:txBody>
+          <a:bodyPr rtlCol="0" anchor="ctr"/>
+          <a:lstStyle/>
+          <a:p>
+            <a:pPr algn="ctr"/>
+            <a:endParaRPr lang="en-US"/>
+          </a:p>
+        </p:txBody>
+      </p:sp>
+      <p:sp>
+        <p:nvSpPr>
+          <p:cNvPr id="9" name="Rectangle: Rounded Corners 8">
+            <a:extLst>
+              <a:ext uri="{FF2B5EF4-FFF2-40B4-BE49-F238E27FC236}">
+                <a16:creationId xmlns:a16="http://schemas.microsoft.com/office/drawing/2014/main" id="{5DBBEA9E-A041-7D11-BDE1-24FD15D9A8D6}"/>
+              </a:ext>
+            </a:extLst>
+          </p:cNvPr>
+          <p:cNvSpPr/>
+          <p:nvPr/>
+        </p:nvSpPr>
+        <p:spPr>
+          <a:xfrm>
+            <a:off x="152400" y="152400"/>
+            <a:ext cx="11887200" cy="6553199"/>
+          </a:xfrm>
+          <a:prstGeom prst="roundRect">
+            <a:avLst>
+              <a:gd name="adj" fmla="val 18853"/>
+            </a:avLst>
+          </a:prstGeom>
+          <a:noFill/>
+          <a:ln w="12700">
+            <a:solidFill>
+              <a:srgbClr val="660066"/>
+            </a:solidFill>
+          </a:ln>
+        </p:spPr>
+        <p:style>
+          <a:lnRef idx="2">
+            <a:schemeClr val="accent1">
+              <a:shade val="15000"/>
+            </a:schemeClr>
+          </a:lnRef>
+          <a:fillRef idx="1">
+            <a:schemeClr val="accent1"/>
+          </a:fillRef>
+          <a:effectRef idx="0">
+            <a:schemeClr val="accent1"/>
+          </a:effectRef>
+          <a:fontRef idx="minor">
+            <a:schemeClr val="lt1"/>
+          </a:fontRef>
+        </p:style>
+        <p:txBody>
+          <a:bodyPr rtlCol="0" anchor="ctr"/>
+          <a:lstStyle/>
+          <a:p>
+            <a:pPr algn="ctr"/>
+            <a:endParaRPr lang="en-US" dirty="0"/>
+          </a:p>
+        </p:txBody>
+      </p:sp>
+      <p:sp>
+        <p:nvSpPr>
+          <p:cNvPr id="12" name="Line 11"/>
+          <p:cNvSpPr>
+            <a:spLocks noChangeShapeType="1"/>
+          </p:cNvSpPr>
+          <p:nvPr/>
+        </p:nvSpPr>
+        <p:spPr bwMode="auto">
+          <a:xfrm flipV="1">
+            <a:off x="6972300" y="5109836"/>
+            <a:ext cx="609600" cy="533400"/>
+          </a:xfrm>
+          <a:prstGeom prst="line">
+            <a:avLst/>
+          </a:prstGeom>
+          <a:noFill/>
+          <a:ln w="38100">
+            <a:solidFill>
+              <a:srgbClr val="FFFF66"/>
+            </a:solidFill>
+            <a:round/>
+            <a:headEnd/>
+            <a:tailEnd type="triangle" w="med" len="med"/>
+          </a:ln>
+          <a:extLst>
+            <a:ext uri="{909E8E84-426E-40DD-AFC4-6F175D3DCCD1}">
+              <a14:hiddenFill xmlns:a14="http://schemas.microsoft.com/office/drawing/2010/main">
+                <a:noFill/>
+              </a14:hiddenFill>
+            </a:ext>
+          </a:extLst>
+        </p:spPr>
+        <p:txBody>
+          <a:bodyPr wrap="square">
+            <a:spAutoFit/>
+          </a:bodyPr>
+          <a:lstStyle/>
+          <a:p>
+            <a:endParaRPr lang="en-US"/>
+          </a:p>
+        </p:txBody>
+      </p:sp>
+      <p:pic>
+        <p:nvPicPr>
+          <p:cNvPr id="3" name="Picture 10" descr="Mario Pattern">
+            <a:extLst>
+              <a:ext uri="{FF2B5EF4-FFF2-40B4-BE49-F238E27FC236}">
+                <a16:creationId xmlns:a16="http://schemas.microsoft.com/office/drawing/2014/main" id="{70C83288-9D80-2729-3EE2-8CD883504850}"/>
+              </a:ext>
+            </a:extLst>
+          </p:cNvPr>
+          <p:cNvPicPr>
+            <a:picLocks noChangeAspect="1" noChangeArrowheads="1"/>
+          </p:cNvPicPr>
+          <p:nvPr/>
+        </p:nvPicPr>
+        <p:blipFill rotWithShape="1">
+          <a:blip r:embed="rId3">
+            <a:alphaModFix/>
+            <a:extLst>
+              <a:ext uri="{28A0092B-C50C-407E-A947-70E740481C1C}">
+                <a14:useLocalDpi xmlns:a14="http://schemas.microsoft.com/office/drawing/2010/main" val="0"/>
+              </a:ext>
+            </a:extLst>
+          </a:blip>
+          <a:srcRect l="4595" t="67313" r="6699" b="2019"/>
+          <a:stretch/>
+        </p:blipFill>
+        <p:spPr bwMode="auto">
+          <a:xfrm>
+            <a:off x="2040351" y="4953000"/>
+            <a:ext cx="8111283" cy="2103120"/>
+          </a:xfrm>
+          <a:prstGeom prst="rect">
+            <a:avLst/>
+          </a:prstGeom>
+          <a:noFill/>
+          <a:ln w="28575">
+            <a:noFill/>
+          </a:ln>
+          <a:effectLst>
+            <a:innerShdw blurRad="63500" dist="50800">
+              <a:prstClr val="black">
+                <a:alpha val="50000"/>
+              </a:prstClr>
+            </a:innerShdw>
+          </a:effectLst>
+          <a:extLst>
+            <a:ext uri="{909E8E84-426E-40DD-AFC4-6F175D3DCCD1}">
+              <a14:hiddenFill xmlns:a14="http://schemas.microsoft.com/office/drawing/2010/main">
+                <a:solidFill>
+                  <a:srgbClr val="FFFFFF"/>
+                </a:solidFill>
+              </a14:hiddenFill>
+            </a:ext>
+          </a:extLst>
+        </p:spPr>
+      </p:pic>
+      <p:sp>
+        <p:nvSpPr>
+          <p:cNvPr id="4" name="Rectangle: Rounded Corners 3">
+            <a:extLst>
+              <a:ext uri="{FF2B5EF4-FFF2-40B4-BE49-F238E27FC236}">
+                <a16:creationId xmlns:a16="http://schemas.microsoft.com/office/drawing/2014/main" id="{1B666B6E-7053-3022-B1D9-2AF4C282F2A0}"/>
+              </a:ext>
+            </a:extLst>
+          </p:cNvPr>
+          <p:cNvSpPr/>
+          <p:nvPr/>
+        </p:nvSpPr>
+        <p:spPr>
+          <a:xfrm>
+            <a:off x="1638293" y="4097965"/>
+            <a:ext cx="8915400" cy="1005788"/>
+          </a:xfrm>
+          <a:prstGeom prst="roundRect">
+            <a:avLst>
+              <a:gd name="adj" fmla="val 18853"/>
+            </a:avLst>
+          </a:prstGeom>
+          <a:solidFill>
+            <a:srgbClr val="2D3A37"/>
+          </a:solidFill>
+          <a:ln w="57150">
+            <a:noFill/>
+          </a:ln>
+        </p:spPr>
+        <p:style>
+          <a:lnRef idx="2">
+            <a:schemeClr val="accent1">
+              <a:shade val="15000"/>
+            </a:schemeClr>
+          </a:lnRef>
+          <a:fillRef idx="1">
+            <a:schemeClr val="accent1"/>
+          </a:fillRef>
+          <a:effectRef idx="0">
+            <a:schemeClr val="accent1"/>
+          </a:effectRef>
+          <a:fontRef idx="minor">
+            <a:schemeClr val="lt1"/>
+          </a:fontRef>
+        </p:style>
+        <p:txBody>
+          <a:bodyPr rtlCol="0" anchor="ctr"/>
+          <a:lstStyle/>
+          <a:p>
+            <a:pPr algn="ctr"/>
+            <a:endParaRPr lang="en-US"/>
+          </a:p>
+        </p:txBody>
+      </p:sp>
+      <p:sp>
+        <p:nvSpPr>
+          <p:cNvPr id="5" name="TextBox 4">
+            <a:extLst>
+              <a:ext uri="{FF2B5EF4-FFF2-40B4-BE49-F238E27FC236}">
+                <a16:creationId xmlns:a16="http://schemas.microsoft.com/office/drawing/2014/main" id="{861E9A78-74F4-2AA0-408A-B2F37D1DA24C}"/>
+              </a:ext>
+            </a:extLst>
+          </p:cNvPr>
+          <p:cNvSpPr txBox="1"/>
+          <p:nvPr/>
+        </p:nvSpPr>
+        <p:spPr>
+          <a:xfrm>
+            <a:off x="952490" y="1364366"/>
+            <a:ext cx="10287001" cy="1938992"/>
+          </a:xfrm>
+          <a:prstGeom prst="rect">
+            <a:avLst/>
+          </a:prstGeom>
+          <a:noFill/>
+        </p:spPr>
+        <p:txBody>
+          <a:bodyPr wrap="square" rtlCol="0">
+            <a:spAutoFit/>
+          </a:bodyPr>
+          <a:lstStyle/>
+          <a:p>
+            <a:pPr algn="ctr"/>
+            <a:r>
+              <a:rPr lang="en-US" sz="12000" dirty="0">
+                <a:solidFill>
+                  <a:srgbClr val="2D3A37"/>
+                </a:solidFill>
+                <a:latin typeface="Adobe Devanagari" panose="02040503050201020203" pitchFamily="18" charset="0"/>
+                <a:cs typeface="Adobe Devanagari" panose="02040503050201020203" pitchFamily="18" charset="0"/>
+              </a:rPr>
+              <a:t>Thank You</a:t>
+            </a:r>
+          </a:p>
+        </p:txBody>
+      </p:sp>
+      <p:sp>
+        <p:nvSpPr>
+          <p:cNvPr id="8" name="TextBox 7">
+            <a:extLst>
+              <a:ext uri="{FF2B5EF4-FFF2-40B4-BE49-F238E27FC236}">
+                <a16:creationId xmlns:a16="http://schemas.microsoft.com/office/drawing/2014/main" id="{D782FFA3-2177-56BA-6786-898DA3D642FF}"/>
+              </a:ext>
+            </a:extLst>
+          </p:cNvPr>
+          <p:cNvSpPr txBox="1"/>
+          <p:nvPr/>
+        </p:nvSpPr>
+        <p:spPr>
+          <a:xfrm>
+            <a:off x="952490" y="2713031"/>
+            <a:ext cx="10287001" cy="800219"/>
+          </a:xfrm>
+          <a:prstGeom prst="rect">
+            <a:avLst/>
+          </a:prstGeom>
+          <a:noFill/>
+        </p:spPr>
+        <p:txBody>
+          <a:bodyPr wrap="square" rtlCol="0">
+            <a:spAutoFit/>
+          </a:bodyPr>
+          <a:lstStyle/>
+          <a:p>
+            <a:pPr algn="ctr"/>
+            <a:r>
+              <a:rPr lang="en-US" sz="4600" i="1" dirty="0">
+                <a:solidFill>
+                  <a:srgbClr val="660066"/>
+                </a:solidFill>
+                <a:cs typeface="Adobe Devanagari" panose="02040503050201020203" pitchFamily="18" charset="0"/>
+              </a:rPr>
+              <a:t>Make Reasonable Decisions</a:t>
+            </a:r>
+          </a:p>
+        </p:txBody>
+      </p:sp>
+    </p:spTree>
+    <p:extLst>
+      <p:ext uri="{BB962C8B-B14F-4D97-AF65-F5344CB8AC3E}">
+        <p14:creationId xmlns:p14="http://schemas.microsoft.com/office/powerpoint/2010/main" val="3266410475"/>
+      </p:ext>
+    </p:extLst>
   </p:cSld>
   <p:clrMapOvr>
     <a:masterClrMapping/>
@@ -9773,8 +11349,8 @@
           </a:p>
         </p:txBody>
       </p:sp>
-      <mc:AlternateContent xmlns:mc="http://schemas.openxmlformats.org/markup-compatibility/2006" xmlns:a14="http://schemas.microsoft.com/office/drawing/2010/main">
-        <mc:Choice Requires="a14">
+      <mc:AlternateContent xmlns:mc="http://schemas.openxmlformats.org/markup-compatibility/2006">
+        <mc:Choice xmlns:a14="http://schemas.microsoft.com/office/drawing/2010/main" Requires="a14">
           <p:sp>
             <p:nvSpPr>
               <p:cNvPr id="7" name="TextBox 6">
@@ -9790,7 +11366,7 @@
             <p:spPr>
               <a:xfrm>
                 <a:off x="495300" y="1974467"/>
-                <a:ext cx="11201400" cy="3439239"/>
+                <a:ext cx="11201400" cy="4392692"/>
               </a:xfrm>
               <a:prstGeom prst="roundRect">
                 <a:avLst/>
@@ -9875,6 +11451,91 @@
                   <a:buFont typeface="Arial" panose="020B0604020202020204" pitchFamily="34" charset="0"/>
                   <a:buChar char="•"/>
                 </a:pPr>
+                <a:r>
+                  <a:rPr lang="en-US" sz="2800" dirty="0">
+                    <a:solidFill>
+                      <a:srgbClr val="660066"/>
+                    </a:solidFill>
+                  </a:rPr>
+                  <a:t>In General, We Want </a:t>
+                </a:r>
+                <a14:m>
+                  <m:oMath xmlns:m="http://schemas.openxmlformats.org/officeDocument/2006/math">
+                    <m:r>
+                      <a:rPr lang="en-US" sz="2800" b="0" i="1" smtClean="0">
+                        <a:solidFill>
+                          <a:srgbClr val="660066"/>
+                        </a:solidFill>
+                        <a:latin typeface="Cambria Math" panose="02040503050406030204" pitchFamily="18" charset="0"/>
+                      </a:rPr>
+                      <m:t>𝑆𝑆𝑀𝑜𝑑𝑒𝑙</m:t>
+                    </m:r>
+                  </m:oMath>
+                </a14:m>
+                <a:r>
+                  <a:rPr lang="en-US" sz="2800" dirty="0">
+                    <a:solidFill>
+                      <a:srgbClr val="660066"/>
+                    </a:solidFill>
+                  </a:rPr>
+                  <a:t> to be </a:t>
+                </a:r>
+                <a:r>
+                  <a:rPr lang="en-US" sz="2800" b="1" dirty="0">
+                    <a:solidFill>
+                      <a:srgbClr val="660066"/>
+                    </a:solidFill>
+                  </a:rPr>
+                  <a:t>Larger</a:t>
+                </a:r>
+                <a:r>
+                  <a:rPr lang="en-US" sz="2800" dirty="0">
+                    <a:solidFill>
+                      <a:srgbClr val="660066"/>
+                    </a:solidFill>
+                  </a:rPr>
+                  <a:t> </a:t>
+                </a:r>
+                <a:r>
+                  <a:rPr lang="en-US" sz="2800" b="1" dirty="0">
+                    <a:solidFill>
+                      <a:srgbClr val="660066"/>
+                    </a:solidFill>
+                  </a:rPr>
+                  <a:t>Than</a:t>
+                </a:r>
+                <a:r>
+                  <a:rPr lang="en-US" sz="2800" dirty="0">
+                    <a:solidFill>
+                      <a:srgbClr val="660066"/>
+                    </a:solidFill>
+                  </a:rPr>
+                  <a:t> </a:t>
+                </a:r>
+                <a14:m>
+                  <m:oMath xmlns:m="http://schemas.openxmlformats.org/officeDocument/2006/math">
+                    <m:r>
+                      <a:rPr lang="en-US" sz="2800" i="1">
+                        <a:solidFill>
+                          <a:srgbClr val="660066"/>
+                        </a:solidFill>
+                        <a:latin typeface="Cambria Math" panose="02040503050406030204" pitchFamily="18" charset="0"/>
+                      </a:rPr>
+                      <m:t>𝑆𝑆𝐸</m:t>
+                    </m:r>
+                  </m:oMath>
+                </a14:m>
+                <a:endParaRPr lang="en-US" sz="2800" dirty="0">
+                  <a:solidFill>
+                    <a:srgbClr val="660066"/>
+                  </a:solidFill>
+                </a:endParaRPr>
+              </a:p>
+              <a:p>
+                <a:pPr marL="457200" indent="-457200">
+                  <a:buFont typeface="Arial" panose="020B0604020202020204" pitchFamily="34" charset="0"/>
+                  <a:buChar char="•"/>
+                </a:pPr>
                 <a:endParaRPr lang="en-US" sz="2800" b="1" dirty="0">
                   <a:solidFill>
                     <a:srgbClr val="660066"/>
@@ -9945,6 +11606,12 @@
                   </a:rPr>
                   <a:t> for Sum of Squares Regression</a:t>
                 </a:r>
+              </a:p>
+              <a:p>
+                <a:pPr marL="457200" indent="-457200">
+                  <a:buFont typeface="Arial" panose="020B0604020202020204" pitchFamily="34" charset="0"/>
+                  <a:buChar char="•"/>
+                </a:pPr>
                 <a:endParaRPr lang="en-US" sz="2800" b="1" dirty="0">
                   <a:solidFill>
                     <a:srgbClr val="660066"/>
@@ -9954,7 +11621,7 @@
             </p:txBody>
           </p:sp>
         </mc:Choice>
-        <mc:Fallback xmlns="">
+        <mc:Fallback>
           <p:sp>
             <p:nvSpPr>
               <p:cNvPr id="7" name="TextBox 6">
@@ -9972,7 +11639,7 @@
             <p:spPr>
               <a:xfrm>
                 <a:off x="495300" y="1974467"/>
-                <a:ext cx="11201400" cy="3439239"/>
+                <a:ext cx="11201400" cy="4392692"/>
               </a:xfrm>
               <a:prstGeom prst="roundRect">
                 <a:avLst/>
@@ -17293,114 +18960,52 @@
           <a:chExt cx="0" cy="0"/>
         </a:xfrm>
       </p:grpSpPr>
-      <p:sp>
-        <p:nvSpPr>
-          <p:cNvPr id="10" name="Rectangle: Rounded Corners 9">
+      <p:pic>
+        <p:nvPicPr>
+          <p:cNvPr id="2" name="Picture 10" descr="Mario Pattern">
             <a:extLst>
               <a:ext uri="{FF2B5EF4-FFF2-40B4-BE49-F238E27FC236}">
-                <a16:creationId xmlns:a16="http://schemas.microsoft.com/office/drawing/2014/main" id="{6EE0EA48-9FEB-2763-FFA9-DF5F6F8911FB}"/>
+                <a16:creationId xmlns:a16="http://schemas.microsoft.com/office/drawing/2014/main" id="{8F84FFD9-23AF-75F7-6DAA-904525952142}"/>
               </a:ext>
             </a:extLst>
           </p:cNvPr>
-          <p:cNvSpPr/>
+          <p:cNvPicPr>
+            <a:picLocks noChangeAspect="1" noChangeArrowheads="1"/>
+          </p:cNvPicPr>
           <p:nvPr/>
-        </p:nvSpPr>
-        <p:spPr>
+        </p:nvPicPr>
+        <p:blipFill rotWithShape="1">
+          <a:blip r:embed="rId3">
+            <a:alphaModFix amt="47000"/>
+            <a:extLst>
+              <a:ext uri="{28A0092B-C50C-407E-A947-70E740481C1C}">
+                <a14:useLocalDpi xmlns:a14="http://schemas.microsoft.com/office/drawing/2010/main" val="0"/>
+              </a:ext>
+            </a:extLst>
+          </a:blip>
+          <a:srcRect l="4595" r="6699"/>
+          <a:stretch/>
+        </p:blipFill>
+        <p:spPr bwMode="auto">
           <a:xfrm>
-            <a:off x="302299" y="235037"/>
-            <a:ext cx="11587397" cy="6387923"/>
+            <a:off x="0" y="-2057400"/>
+            <a:ext cx="12192000" cy="10308201"/>
           </a:xfrm>
-          <a:prstGeom prst="roundRect">
-            <a:avLst>
-              <a:gd name="adj" fmla="val 18853"/>
-            </a:avLst>
+          <a:prstGeom prst="rect">
+            <a:avLst/>
           </a:prstGeom>
           <a:noFill/>
-          <a:ln w="12700">
-            <a:solidFill>
-              <a:srgbClr val="660066"/>
-            </a:solidFill>
-          </a:ln>
+          <a:extLst>
+            <a:ext uri="{909E8E84-426E-40DD-AFC4-6F175D3DCCD1}">
+              <a14:hiddenFill xmlns:a14="http://schemas.microsoft.com/office/drawing/2010/main">
+                <a:solidFill>
+                  <a:srgbClr val="FFFFFF"/>
+                </a:solidFill>
+              </a14:hiddenFill>
+            </a:ext>
+          </a:extLst>
         </p:spPr>
-        <p:style>
-          <a:lnRef idx="2">
-            <a:schemeClr val="accent1">
-              <a:shade val="15000"/>
-            </a:schemeClr>
-          </a:lnRef>
-          <a:fillRef idx="1">
-            <a:schemeClr val="accent1"/>
-          </a:fillRef>
-          <a:effectRef idx="0">
-            <a:schemeClr val="accent1"/>
-          </a:effectRef>
-          <a:fontRef idx="minor">
-            <a:schemeClr val="lt1"/>
-          </a:fontRef>
-        </p:style>
-        <p:txBody>
-          <a:bodyPr rtlCol="0" anchor="ctr"/>
-          <a:lstStyle/>
-          <a:p>
-            <a:pPr algn="ctr"/>
-            <a:endParaRPr lang="en-US"/>
-          </a:p>
-        </p:txBody>
-      </p:sp>
-      <p:sp>
-        <p:nvSpPr>
-          <p:cNvPr id="9" name="Rectangle: Rounded Corners 8">
-            <a:extLst>
-              <a:ext uri="{FF2B5EF4-FFF2-40B4-BE49-F238E27FC236}">
-                <a16:creationId xmlns:a16="http://schemas.microsoft.com/office/drawing/2014/main" id="{5DBBEA9E-A041-7D11-BDE1-24FD15D9A8D6}"/>
-              </a:ext>
-            </a:extLst>
-          </p:cNvPr>
-          <p:cNvSpPr/>
-          <p:nvPr/>
-        </p:nvSpPr>
-        <p:spPr>
-          <a:xfrm>
-            <a:off x="152400" y="152400"/>
-            <a:ext cx="11887200" cy="6553199"/>
-          </a:xfrm>
-          <a:prstGeom prst="roundRect">
-            <a:avLst>
-              <a:gd name="adj" fmla="val 18853"/>
-            </a:avLst>
-          </a:prstGeom>
-          <a:noFill/>
-          <a:ln w="12700">
-            <a:solidFill>
-              <a:srgbClr val="660066"/>
-            </a:solidFill>
-          </a:ln>
-        </p:spPr>
-        <p:style>
-          <a:lnRef idx="2">
-            <a:schemeClr val="accent1">
-              <a:shade val="15000"/>
-            </a:schemeClr>
-          </a:lnRef>
-          <a:fillRef idx="1">
-            <a:schemeClr val="accent1"/>
-          </a:fillRef>
-          <a:effectRef idx="0">
-            <a:schemeClr val="accent1"/>
-          </a:effectRef>
-          <a:fontRef idx="minor">
-            <a:schemeClr val="lt1"/>
-          </a:fontRef>
-        </p:style>
-        <p:txBody>
-          <a:bodyPr rtlCol="0" anchor="ctr"/>
-          <a:lstStyle/>
-          <a:p>
-            <a:pPr algn="ctr"/>
-            <a:endParaRPr lang="en-US" dirty="0"/>
-          </a:p>
-        </p:txBody>
-      </p:sp>
+      </p:pic>
       <p:sp>
         <p:nvSpPr>
           <p:cNvPr id="12" name="Line 11"/>
@@ -17444,12 +19049,529 @@
           </a:p>
         </p:txBody>
       </p:sp>
+      <p:sp>
+        <p:nvSpPr>
+          <p:cNvPr id="6" name="TextBox 5">
+            <a:extLst>
+              <a:ext uri="{FF2B5EF4-FFF2-40B4-BE49-F238E27FC236}">
+                <a16:creationId xmlns:a16="http://schemas.microsoft.com/office/drawing/2014/main" id="{4F2DA592-D8EB-70BA-2112-6C13A4E7B393}"/>
+              </a:ext>
+            </a:extLst>
+          </p:cNvPr>
+          <p:cNvSpPr txBox="1"/>
+          <p:nvPr/>
+        </p:nvSpPr>
+        <p:spPr>
+          <a:xfrm>
+            <a:off x="495300" y="606817"/>
+            <a:ext cx="11201400" cy="919401"/>
+          </a:xfrm>
+          <a:prstGeom prst="roundRect">
+            <a:avLst/>
+          </a:prstGeom>
+          <a:solidFill>
+            <a:schemeClr val="bg1">
+              <a:alpha val="70000"/>
+            </a:schemeClr>
+          </a:solidFill>
+          <a:ln w="76200">
+            <a:solidFill>
+              <a:srgbClr val="FFC416"/>
+            </a:solidFill>
+          </a:ln>
+        </p:spPr>
+        <p:style>
+          <a:lnRef idx="2">
+            <a:schemeClr val="dk1"/>
+          </a:lnRef>
+          <a:fillRef idx="1">
+            <a:schemeClr val="lt1"/>
+          </a:fillRef>
+          <a:effectRef idx="0">
+            <a:schemeClr val="dk1"/>
+          </a:effectRef>
+          <a:fontRef idx="minor">
+            <a:schemeClr val="dk1"/>
+          </a:fontRef>
+        </p:style>
+        <p:txBody>
+          <a:bodyPr wrap="square" rtlCol="0">
+            <a:spAutoFit/>
+          </a:bodyPr>
+          <a:lstStyle/>
+          <a:p>
+            <a:pPr algn="ctr"/>
+            <a:r>
+              <a:rPr lang="en-US" sz="4800" b="1" dirty="0">
+                <a:solidFill>
+                  <a:srgbClr val="2D3A37"/>
+                </a:solidFill>
+                <a:latin typeface="Adobe Devanagari" panose="02040503050201020203" pitchFamily="18" charset="0"/>
+                <a:cs typeface="Adobe Devanagari" panose="02040503050201020203" pitchFamily="18" charset="0"/>
+              </a:rPr>
+              <a:t>ANOVA Test for Simple Linear Regression</a:t>
+            </a:r>
+            <a:endParaRPr lang="en-US" sz="4800" dirty="0">
+              <a:solidFill>
+                <a:srgbClr val="2D3A37"/>
+              </a:solidFill>
+            </a:endParaRPr>
+          </a:p>
+        </p:txBody>
+      </p:sp>
+      <p:sp>
+        <p:nvSpPr>
+          <p:cNvPr id="7" name="TextBox 6">
+            <a:extLst>
+              <a:ext uri="{FF2B5EF4-FFF2-40B4-BE49-F238E27FC236}">
+                <a16:creationId xmlns:a16="http://schemas.microsoft.com/office/drawing/2014/main" id="{D9B238EA-D04E-3255-7509-F990F1A8F309}"/>
+              </a:ext>
+            </a:extLst>
+          </p:cNvPr>
+          <p:cNvSpPr txBox="1"/>
+          <p:nvPr/>
+        </p:nvSpPr>
+        <p:spPr>
+          <a:xfrm>
+            <a:off x="495300" y="1974467"/>
+            <a:ext cx="11201400" cy="4869418"/>
+          </a:xfrm>
+          <a:prstGeom prst="roundRect">
+            <a:avLst/>
+          </a:prstGeom>
+          <a:solidFill>
+            <a:schemeClr val="bg1"/>
+          </a:solidFill>
+          <a:ln w="76200">
+            <a:solidFill>
+              <a:srgbClr val="FFC416"/>
+            </a:solidFill>
+          </a:ln>
+        </p:spPr>
+        <p:style>
+          <a:lnRef idx="2">
+            <a:schemeClr val="dk1"/>
+          </a:lnRef>
+          <a:fillRef idx="1">
+            <a:schemeClr val="lt1"/>
+          </a:fillRef>
+          <a:effectRef idx="0">
+            <a:schemeClr val="dk1"/>
+          </a:effectRef>
+          <a:fontRef idx="minor">
+            <a:schemeClr val="dk1"/>
+          </a:fontRef>
+        </p:style>
+        <p:txBody>
+          <a:bodyPr wrap="square" rtlCol="0">
+            <a:spAutoFit/>
+          </a:bodyPr>
+          <a:lstStyle/>
+          <a:p>
+            <a:pPr marL="457200" indent="-457200">
+              <a:buFont typeface="Arial" panose="020B0604020202020204" pitchFamily="34" charset="0"/>
+              <a:buChar char="•"/>
+            </a:pPr>
+            <a:r>
+              <a:rPr lang="en-US" sz="2800" dirty="0">
+                <a:solidFill>
+                  <a:srgbClr val="660066"/>
+                </a:solidFill>
+              </a:rPr>
+              <a:t>Equivalent to the t-Test for the Slope</a:t>
+            </a:r>
+          </a:p>
+          <a:p>
+            <a:pPr marL="914400" lvl="1" indent="-457200">
+              <a:buFont typeface="Arial" panose="020B0604020202020204" pitchFamily="34" charset="0"/>
+              <a:buChar char="•"/>
+            </a:pPr>
+            <a:r>
+              <a:rPr lang="en-US" sz="2800" dirty="0">
+                <a:solidFill>
+                  <a:srgbClr val="660066"/>
+                </a:solidFill>
+              </a:rPr>
+              <a:t>Identical Hypotheses (in Simple Linear Regression)</a:t>
+            </a:r>
+          </a:p>
+          <a:p>
+            <a:pPr marL="914400" lvl="1" indent="-457200">
+              <a:buFont typeface="Arial" panose="020B0604020202020204" pitchFamily="34" charset="0"/>
+              <a:buChar char="•"/>
+            </a:pPr>
+            <a:r>
+              <a:rPr lang="en-US" sz="2800" dirty="0">
+                <a:solidFill>
+                  <a:srgbClr val="660066"/>
+                </a:solidFill>
+              </a:rPr>
+              <a:t>Perform Simple Linear Regression and Obtain Table</a:t>
+            </a:r>
+          </a:p>
+          <a:p>
+            <a:pPr marL="914400" lvl="1" indent="-457200">
+              <a:buFont typeface="Arial" panose="020B0604020202020204" pitchFamily="34" charset="0"/>
+              <a:buChar char="•"/>
+            </a:pPr>
+            <a:r>
+              <a:rPr lang="en-US" sz="2800" dirty="0">
+                <a:solidFill>
+                  <a:srgbClr val="660066"/>
+                </a:solidFill>
+              </a:rPr>
+              <a:t>Different Test Statistic</a:t>
+            </a:r>
+          </a:p>
+          <a:p>
+            <a:pPr marL="914400" lvl="1" indent="-457200">
+              <a:buFont typeface="Arial" panose="020B0604020202020204" pitchFamily="34" charset="0"/>
+              <a:buChar char="•"/>
+            </a:pPr>
+            <a:endParaRPr lang="en-US" sz="2800" dirty="0">
+              <a:solidFill>
+                <a:srgbClr val="660066"/>
+              </a:solidFill>
+            </a:endParaRPr>
+          </a:p>
+          <a:p>
+            <a:pPr lvl="1"/>
+            <a:endParaRPr lang="en-US" sz="2800" dirty="0">
+              <a:solidFill>
+                <a:srgbClr val="660066"/>
+              </a:solidFill>
+            </a:endParaRPr>
+          </a:p>
+          <a:p>
+            <a:pPr marL="914400" lvl="1" indent="-457200">
+              <a:buFont typeface="Arial" panose="020B0604020202020204" pitchFamily="34" charset="0"/>
+              <a:buChar char="•"/>
+            </a:pPr>
+            <a:r>
+              <a:rPr lang="en-US" sz="2800" dirty="0">
+                <a:solidFill>
+                  <a:srgbClr val="660066"/>
+                </a:solidFill>
+              </a:rPr>
+              <a:t>Compute p-value Based off F-Distribution and Not t-Distribution</a:t>
+            </a:r>
+          </a:p>
+          <a:p>
+            <a:pPr marL="1371600" lvl="2" indent="-457200">
+              <a:buFont typeface="Arial" panose="020B0604020202020204" pitchFamily="34" charset="0"/>
+              <a:buChar char="•"/>
+            </a:pPr>
+            <a:r>
+              <a:rPr lang="en-US" sz="2800" dirty="0">
+                <a:solidFill>
+                  <a:srgbClr val="660066"/>
+                </a:solidFill>
+              </a:rPr>
+              <a:t>F-distribution based off numerator degrees of freedom and denominator degrees of freedom</a:t>
+            </a:r>
+          </a:p>
+          <a:p>
+            <a:pPr marL="914400" lvl="1" indent="-457200">
+              <a:buFont typeface="Arial" panose="020B0604020202020204" pitchFamily="34" charset="0"/>
+              <a:buChar char="•"/>
+            </a:pPr>
+            <a:r>
+              <a:rPr lang="en-US" sz="2800" dirty="0">
+                <a:solidFill>
+                  <a:srgbClr val="660066"/>
+                </a:solidFill>
+              </a:rPr>
+              <a:t>Decision and Interpretation is the Same (in SLR)</a:t>
+            </a:r>
+          </a:p>
+        </p:txBody>
+      </p:sp>
+      <mc:AlternateContent xmlns:mc="http://schemas.openxmlformats.org/markup-compatibility/2006">
+        <mc:Choice xmlns:a14="http://schemas.microsoft.com/office/drawing/2010/main" Requires="a14">
+          <p:sp>
+            <p:nvSpPr>
+              <p:cNvPr id="4" name="TextBox 3">
+                <a:extLst>
+                  <a:ext uri="{FF2B5EF4-FFF2-40B4-BE49-F238E27FC236}">
+                    <a16:creationId xmlns:a16="http://schemas.microsoft.com/office/drawing/2014/main" id="{34E106C0-12CD-67AA-892D-A0DAA42D2A04}"/>
+                  </a:ext>
+                </a:extLst>
+              </p:cNvPr>
+              <p:cNvSpPr txBox="1"/>
+              <p:nvPr/>
+            </p:nvSpPr>
+            <p:spPr>
+              <a:xfrm>
+                <a:off x="3810000" y="3886200"/>
+                <a:ext cx="6096000" cy="883575"/>
+              </a:xfrm>
+              <a:prstGeom prst="rect">
+                <a:avLst/>
+              </a:prstGeom>
+              <a:noFill/>
+            </p:spPr>
+            <p:txBody>
+              <a:bodyPr wrap="square">
+                <a:spAutoFit/>
+              </a:bodyPr>
+              <a:lstStyle/>
+              <a:p>
+                <a:pPr/>
+                <a14:m>
+                  <m:oMathPara xmlns:m="http://schemas.openxmlformats.org/officeDocument/2006/math">
+                    <m:oMathParaPr>
+                      <m:jc m:val="centerGroup"/>
+                    </m:oMathParaPr>
+                    <m:oMath xmlns:m="http://schemas.openxmlformats.org/officeDocument/2006/math">
+                      <m:sSup>
+                        <m:sSupPr>
+                          <m:ctrlPr>
+                            <a:rPr lang="en-US" sz="2400" b="0" i="1" smtClean="0">
+                              <a:solidFill>
+                                <a:srgbClr val="660066"/>
+                              </a:solidFill>
+                              <a:latin typeface="Cambria Math" panose="02040503050406030204" pitchFamily="18" charset="0"/>
+                            </a:rPr>
+                          </m:ctrlPr>
+                        </m:sSupPr>
+                        <m:e>
+                          <m:r>
+                            <a:rPr lang="en-US" sz="2400" b="0" i="1" smtClean="0">
+                              <a:solidFill>
+                                <a:srgbClr val="660066"/>
+                              </a:solidFill>
+                              <a:latin typeface="Cambria Math" panose="02040503050406030204" pitchFamily="18" charset="0"/>
+                            </a:rPr>
+                            <m:t>𝐹</m:t>
+                          </m:r>
+                        </m:e>
+                        <m:sup>
+                          <m:r>
+                            <a:rPr lang="en-US" sz="2400" b="0" i="1" smtClean="0">
+                              <a:solidFill>
+                                <a:srgbClr val="660066"/>
+                              </a:solidFill>
+                              <a:latin typeface="Cambria Math" panose="02040503050406030204" pitchFamily="18" charset="0"/>
+                            </a:rPr>
+                            <m:t>∗</m:t>
+                          </m:r>
+                        </m:sup>
+                      </m:sSup>
+                      <m:r>
+                        <a:rPr lang="en-US" sz="2400" b="0" i="1" smtClean="0">
+                          <a:solidFill>
+                            <a:srgbClr val="660066"/>
+                          </a:solidFill>
+                          <a:latin typeface="Cambria Math" panose="02040503050406030204" pitchFamily="18" charset="0"/>
+                        </a:rPr>
+                        <m:t>=</m:t>
+                      </m:r>
+                      <m:f>
+                        <m:fPr>
+                          <m:ctrlPr>
+                            <a:rPr lang="en-US" sz="2400" b="0" i="1" smtClean="0">
+                              <a:solidFill>
+                                <a:srgbClr val="660066"/>
+                              </a:solidFill>
+                              <a:latin typeface="Cambria Math" panose="02040503050406030204" pitchFamily="18" charset="0"/>
+                            </a:rPr>
+                          </m:ctrlPr>
+                        </m:fPr>
+                        <m:num>
+                          <m:r>
+                            <a:rPr lang="en-US" sz="2400" b="0" i="1" smtClean="0">
+                              <a:solidFill>
+                                <a:srgbClr val="660066"/>
+                              </a:solidFill>
+                              <a:latin typeface="Cambria Math" panose="02040503050406030204" pitchFamily="18" charset="0"/>
+                            </a:rPr>
+                            <m:t>𝑆𝑆𝑀𝑜𝑑𝑒𝑙</m:t>
+                          </m:r>
+                          <m:r>
+                            <a:rPr lang="en-US" sz="2400" b="0" i="1" smtClean="0">
+                              <a:solidFill>
+                                <a:srgbClr val="660066"/>
+                              </a:solidFill>
+                              <a:latin typeface="Cambria Math" panose="02040503050406030204" pitchFamily="18" charset="0"/>
+                            </a:rPr>
+                            <m:t>/1</m:t>
+                          </m:r>
+                        </m:num>
+                        <m:den>
+                          <m:r>
+                            <a:rPr lang="en-US" sz="2400" b="0" i="1" smtClean="0">
+                              <a:solidFill>
+                                <a:srgbClr val="660066"/>
+                              </a:solidFill>
+                              <a:latin typeface="Cambria Math" panose="02040503050406030204" pitchFamily="18" charset="0"/>
+                            </a:rPr>
+                            <m:t>𝑆𝑆𝐸</m:t>
+                          </m:r>
+                          <m:r>
+                            <a:rPr lang="en-US" sz="2400" b="0" i="1" smtClean="0">
+                              <a:solidFill>
+                                <a:srgbClr val="660066"/>
+                              </a:solidFill>
+                              <a:latin typeface="Cambria Math" panose="02040503050406030204" pitchFamily="18" charset="0"/>
+                            </a:rPr>
+                            <m:t>/(</m:t>
+                          </m:r>
+                          <m:r>
+                            <a:rPr lang="en-US" sz="2400" b="0" i="1" smtClean="0">
+                              <a:solidFill>
+                                <a:srgbClr val="660066"/>
+                              </a:solidFill>
+                              <a:latin typeface="Cambria Math" panose="02040503050406030204" pitchFamily="18" charset="0"/>
+                            </a:rPr>
+                            <m:t>𝑛</m:t>
+                          </m:r>
+                          <m:r>
+                            <a:rPr lang="en-US" sz="2400" b="0" i="1" smtClean="0">
+                              <a:solidFill>
+                                <a:srgbClr val="660066"/>
+                              </a:solidFill>
+                              <a:latin typeface="Cambria Math" panose="02040503050406030204" pitchFamily="18" charset="0"/>
+                            </a:rPr>
+                            <m:t>−2)</m:t>
+                          </m:r>
+                        </m:den>
+                      </m:f>
+                      <m:r>
+                        <a:rPr lang="en-US" sz="2400" b="0" i="1" smtClean="0">
+                          <a:solidFill>
+                            <a:srgbClr val="660066"/>
+                          </a:solidFill>
+                          <a:latin typeface="Cambria Math" panose="02040503050406030204" pitchFamily="18" charset="0"/>
+                        </a:rPr>
+                        <m:t>=</m:t>
+                      </m:r>
+                      <m:f>
+                        <m:fPr>
+                          <m:ctrlPr>
+                            <a:rPr lang="en-US" sz="2400" b="0" i="1" smtClean="0">
+                              <a:solidFill>
+                                <a:srgbClr val="660066"/>
+                              </a:solidFill>
+                              <a:latin typeface="Cambria Math" panose="02040503050406030204" pitchFamily="18" charset="0"/>
+                            </a:rPr>
+                          </m:ctrlPr>
+                        </m:fPr>
+                        <m:num>
+                          <m:r>
+                            <a:rPr lang="en-US" sz="2400" b="0" i="1" smtClean="0">
+                              <a:solidFill>
+                                <a:srgbClr val="660066"/>
+                              </a:solidFill>
+                              <a:latin typeface="Cambria Math" panose="02040503050406030204" pitchFamily="18" charset="0"/>
+                            </a:rPr>
+                            <m:t>𝑀𝑆𝑀𝑜𝑑𝑒𝑙</m:t>
+                          </m:r>
+                        </m:num>
+                        <m:den>
+                          <m:r>
+                            <a:rPr lang="en-US" sz="2400" b="0" i="1" smtClean="0">
+                              <a:solidFill>
+                                <a:srgbClr val="660066"/>
+                              </a:solidFill>
+                              <a:latin typeface="Cambria Math" panose="02040503050406030204" pitchFamily="18" charset="0"/>
+                            </a:rPr>
+                            <m:t>𝑀𝑆𝐸</m:t>
+                          </m:r>
+                        </m:den>
+                      </m:f>
+                    </m:oMath>
+                  </m:oMathPara>
+                </a14:m>
+                <a:endParaRPr lang="en-US" sz="2400" dirty="0">
+                  <a:solidFill>
+                    <a:srgbClr val="660066"/>
+                  </a:solidFill>
+                </a:endParaRPr>
+              </a:p>
+            </p:txBody>
+          </p:sp>
+        </mc:Choice>
+        <mc:Fallback>
+          <p:sp>
+            <p:nvSpPr>
+              <p:cNvPr id="4" name="TextBox 3">
+                <a:extLst>
+                  <a:ext uri="{FF2B5EF4-FFF2-40B4-BE49-F238E27FC236}">
+                    <a16:creationId xmlns:a16="http://schemas.microsoft.com/office/drawing/2014/main" id="{34E106C0-12CD-67AA-892D-A0DAA42D2A04}"/>
+                  </a:ext>
+                </a:extLst>
+              </p:cNvPr>
+              <p:cNvSpPr txBox="1">
+                <a:spLocks noRot="1" noChangeAspect="1" noMove="1" noResize="1" noEditPoints="1" noAdjustHandles="1" noChangeArrowheads="1" noChangeShapeType="1" noTextEdit="1"/>
+              </p:cNvSpPr>
+              <p:nvPr/>
+            </p:nvSpPr>
+            <p:spPr>
+              <a:xfrm>
+                <a:off x="3810000" y="3886200"/>
+                <a:ext cx="6096000" cy="883575"/>
+              </a:xfrm>
+              <a:prstGeom prst="rect">
+                <a:avLst/>
+              </a:prstGeom>
+              <a:blipFill>
+                <a:blip r:embed="rId4"/>
+                <a:stretch>
+                  <a:fillRect/>
+                </a:stretch>
+              </a:blipFill>
+            </p:spPr>
+            <p:txBody>
+              <a:bodyPr/>
+              <a:lstStyle/>
+              <a:p>
+                <a:r>
+                  <a:rPr lang="en-US">
+                    <a:noFill/>
+                  </a:rPr>
+                  <a:t> </a:t>
+                </a:r>
+              </a:p>
+            </p:txBody>
+          </p:sp>
+        </mc:Fallback>
+      </mc:AlternateContent>
+    </p:spTree>
+    <p:extLst>
+      <p:ext uri="{BB962C8B-B14F-4D97-AF65-F5344CB8AC3E}">
+        <p14:creationId xmlns:p14="http://schemas.microsoft.com/office/powerpoint/2010/main" val="3192961371"/>
+      </p:ext>
+    </p:extLst>
+  </p:cSld>
+  <p:clrMapOvr>
+    <a:masterClrMapping/>
+  </p:clrMapOvr>
+</p:sld>
+</file>
+
+<file path=ppt/slides/slide9.xml><?xml version="1.0" encoding="utf-8"?>
+<p:sld xmlns:a="http://schemas.openxmlformats.org/drawingml/2006/main" xmlns:r="http://schemas.openxmlformats.org/officeDocument/2006/relationships" xmlns:p="http://schemas.openxmlformats.org/presentationml/2006/main">
+  <p:cSld>
+    <p:spTree>
+      <p:nvGrpSpPr>
+        <p:cNvPr id="1" name=""/>
+        <p:cNvGrpSpPr/>
+        <p:nvPr/>
+      </p:nvGrpSpPr>
+      <p:grpSpPr>
+        <a:xfrm>
+          <a:off x="0" y="0"/>
+          <a:ext cx="0" cy="0"/>
+          <a:chOff x="0" y="0"/>
+          <a:chExt cx="0" cy="0"/>
+        </a:xfrm>
+      </p:grpSpPr>
       <p:pic>
         <p:nvPicPr>
-          <p:cNvPr id="3" name="Picture 10" descr="Mario Pattern">
+          <p:cNvPr id="2" name="Picture 10" descr="Mario Pattern">
             <a:extLst>
               <a:ext uri="{FF2B5EF4-FFF2-40B4-BE49-F238E27FC236}">
-                <a16:creationId xmlns:a16="http://schemas.microsoft.com/office/drawing/2014/main" id="{70C83288-9D80-2729-3EE2-8CD883504850}"/>
+                <a16:creationId xmlns:a16="http://schemas.microsoft.com/office/drawing/2014/main" id="{8F84FFD9-23AF-75F7-6DAA-904525952142}"/>
               </a:ext>
             </a:extLst>
           </p:cNvPr>
@@ -17460,35 +19582,25 @@
         </p:nvPicPr>
         <p:blipFill rotWithShape="1">
           <a:blip r:embed="rId3">
-            <a:alphaModFix/>
+            <a:alphaModFix amt="47000"/>
             <a:extLst>
               <a:ext uri="{28A0092B-C50C-407E-A947-70E740481C1C}">
                 <a14:useLocalDpi xmlns:a14="http://schemas.microsoft.com/office/drawing/2010/main" val="0"/>
               </a:ext>
             </a:extLst>
           </a:blip>
-          <a:srcRect l="4595" t="67313" r="6699" b="2019"/>
+          <a:srcRect l="4595" r="6699"/>
           <a:stretch/>
         </p:blipFill>
         <p:spPr bwMode="auto">
           <a:xfrm>
-            <a:off x="2040351" y="4953000"/>
-            <a:ext cx="8111283" cy="2103120"/>
+            <a:off x="0" y="-2057400"/>
+            <a:ext cx="12192000" cy="10308201"/>
           </a:xfrm>
           <a:prstGeom prst="rect">
             <a:avLst/>
           </a:prstGeom>
           <a:noFill/>
-          <a:ln w="28575">
-            <a:noFill/>
-          </a:ln>
-          <a:effectLst>
-            <a:innerShdw blurRad="63500" dist="50800">
-              <a:prstClr val="black">
-                <a:alpha val="50000"/>
-              </a:prstClr>
-            </a:innerShdw>
-          </a:effectLst>
           <a:extLst>
             <a:ext uri="{909E8E84-426E-40DD-AFC4-6F175D3DCCD1}">
               <a14:hiddenFill xmlns:a14="http://schemas.microsoft.com/office/drawing/2010/main">
@@ -17502,64 +19614,53 @@
       </p:pic>
       <p:sp>
         <p:nvSpPr>
-          <p:cNvPr id="4" name="Rectangle: Rounded Corners 3">
-            <a:extLst>
-              <a:ext uri="{FF2B5EF4-FFF2-40B4-BE49-F238E27FC236}">
-                <a16:creationId xmlns:a16="http://schemas.microsoft.com/office/drawing/2014/main" id="{1B666B6E-7053-3022-B1D9-2AF4C282F2A0}"/>
-              </a:ext>
-            </a:extLst>
-          </p:cNvPr>
-          <p:cNvSpPr/>
+          <p:cNvPr id="12" name="Line 11"/>
+          <p:cNvSpPr>
+            <a:spLocks noChangeShapeType="1"/>
+          </p:cNvSpPr>
           <p:nvPr/>
         </p:nvSpPr>
-        <p:spPr>
-          <a:xfrm>
-            <a:off x="1638293" y="4097965"/>
-            <a:ext cx="8915400" cy="1005788"/>
+        <p:spPr bwMode="auto">
+          <a:xfrm flipV="1">
+            <a:off x="6972300" y="5109836"/>
+            <a:ext cx="609600" cy="533400"/>
           </a:xfrm>
-          <a:prstGeom prst="roundRect">
-            <a:avLst>
-              <a:gd name="adj" fmla="val 18853"/>
-            </a:avLst>
+          <a:prstGeom prst="line">
+            <a:avLst/>
           </a:prstGeom>
-          <a:solidFill>
-            <a:srgbClr val="2D3A37"/>
-          </a:solidFill>
-          <a:ln w="57150">
-            <a:noFill/>
+          <a:noFill/>
+          <a:ln w="38100">
+            <a:solidFill>
+              <a:srgbClr val="FFFF66"/>
+            </a:solidFill>
+            <a:round/>
+            <a:headEnd/>
+            <a:tailEnd type="triangle" w="med" len="med"/>
           </a:ln>
+          <a:extLst>
+            <a:ext uri="{909E8E84-426E-40DD-AFC4-6F175D3DCCD1}">
+              <a14:hiddenFill xmlns:a14="http://schemas.microsoft.com/office/drawing/2010/main">
+                <a:noFill/>
+              </a14:hiddenFill>
+            </a:ext>
+          </a:extLst>
         </p:spPr>
-        <p:style>
-          <a:lnRef idx="2">
-            <a:schemeClr val="accent1">
-              <a:shade val="15000"/>
-            </a:schemeClr>
-          </a:lnRef>
-          <a:fillRef idx="1">
-            <a:schemeClr val="accent1"/>
-          </a:fillRef>
-          <a:effectRef idx="0">
-            <a:schemeClr val="accent1"/>
-          </a:effectRef>
-          <a:fontRef idx="minor">
-            <a:schemeClr val="lt1"/>
-          </a:fontRef>
-        </p:style>
         <p:txBody>
-          <a:bodyPr rtlCol="0" anchor="ctr"/>
+          <a:bodyPr wrap="square">
+            <a:spAutoFit/>
+          </a:bodyPr>
           <a:lstStyle/>
           <a:p>
-            <a:pPr algn="ctr"/>
             <a:endParaRPr lang="en-US"/>
           </a:p>
         </p:txBody>
       </p:sp>
       <p:sp>
         <p:nvSpPr>
-          <p:cNvPr id="5" name="TextBox 4">
+          <p:cNvPr id="6" name="TextBox 5">
             <a:extLst>
               <a:ext uri="{FF2B5EF4-FFF2-40B4-BE49-F238E27FC236}">
-                <a16:creationId xmlns:a16="http://schemas.microsoft.com/office/drawing/2014/main" id="{861E9A78-74F4-2AA0-408A-B2F37D1DA24C}"/>
+                <a16:creationId xmlns:a16="http://schemas.microsoft.com/office/drawing/2014/main" id="{4F2DA592-D8EB-70BA-2112-6C13A4E7B393}"/>
               </a:ext>
             </a:extLst>
           </p:cNvPr>
@@ -17568,8 +19669,491 @@
         </p:nvSpPr>
         <p:spPr>
           <a:xfrm>
-            <a:off x="952490" y="1364366"/>
-            <a:ext cx="10287001" cy="1938992"/>
+            <a:off x="495300" y="606817"/>
+            <a:ext cx="11201400" cy="919401"/>
+          </a:xfrm>
+          <a:prstGeom prst="roundRect">
+            <a:avLst/>
+          </a:prstGeom>
+          <a:solidFill>
+            <a:schemeClr val="bg1">
+              <a:alpha val="70000"/>
+            </a:schemeClr>
+          </a:solidFill>
+          <a:ln w="76200">
+            <a:solidFill>
+              <a:srgbClr val="FFC416"/>
+            </a:solidFill>
+          </a:ln>
+        </p:spPr>
+        <p:style>
+          <a:lnRef idx="2">
+            <a:schemeClr val="dk1"/>
+          </a:lnRef>
+          <a:fillRef idx="1">
+            <a:schemeClr val="lt1"/>
+          </a:fillRef>
+          <a:effectRef idx="0">
+            <a:schemeClr val="dk1"/>
+          </a:effectRef>
+          <a:fontRef idx="minor">
+            <a:schemeClr val="dk1"/>
+          </a:fontRef>
+        </p:style>
+        <p:txBody>
+          <a:bodyPr wrap="square" rtlCol="0">
+            <a:spAutoFit/>
+          </a:bodyPr>
+          <a:lstStyle/>
+          <a:p>
+            <a:pPr algn="ctr"/>
+            <a:r>
+              <a:rPr lang="en-US" sz="4800" b="1" dirty="0">
+                <a:solidFill>
+                  <a:srgbClr val="2D3A37"/>
+                </a:solidFill>
+                <a:latin typeface="Adobe Devanagari" panose="02040503050201020203" pitchFamily="18" charset="0"/>
+                <a:cs typeface="Adobe Devanagari" panose="02040503050201020203" pitchFamily="18" charset="0"/>
+              </a:rPr>
+              <a:t>F-Distribution</a:t>
+            </a:r>
+            <a:endParaRPr lang="en-US" sz="4800" dirty="0">
+              <a:solidFill>
+                <a:srgbClr val="2D3A37"/>
+              </a:solidFill>
+            </a:endParaRPr>
+          </a:p>
+        </p:txBody>
+      </p:sp>
+      <p:sp>
+        <p:nvSpPr>
+          <p:cNvPr id="7" name="TextBox 6">
+            <a:extLst>
+              <a:ext uri="{FF2B5EF4-FFF2-40B4-BE49-F238E27FC236}">
+                <a16:creationId xmlns:a16="http://schemas.microsoft.com/office/drawing/2014/main" id="{D9B238EA-D04E-3255-7509-F990F1A8F309}"/>
+              </a:ext>
+            </a:extLst>
+          </p:cNvPr>
+          <p:cNvSpPr txBox="1"/>
+          <p:nvPr/>
+        </p:nvSpPr>
+        <p:spPr>
+          <a:xfrm>
+            <a:off x="495300" y="1974467"/>
+            <a:ext cx="11201400" cy="4869418"/>
+          </a:xfrm>
+          <a:prstGeom prst="roundRect">
+            <a:avLst/>
+          </a:prstGeom>
+          <a:solidFill>
+            <a:schemeClr val="bg1"/>
+          </a:solidFill>
+          <a:ln w="76200">
+            <a:solidFill>
+              <a:srgbClr val="FFC416"/>
+            </a:solidFill>
+          </a:ln>
+        </p:spPr>
+        <p:style>
+          <a:lnRef idx="2">
+            <a:schemeClr val="dk1"/>
+          </a:lnRef>
+          <a:fillRef idx="1">
+            <a:schemeClr val="lt1"/>
+          </a:fillRef>
+          <a:effectRef idx="0">
+            <a:schemeClr val="dk1"/>
+          </a:effectRef>
+          <a:fontRef idx="minor">
+            <a:schemeClr val="dk1"/>
+          </a:fontRef>
+        </p:style>
+        <p:txBody>
+          <a:bodyPr wrap="square" rtlCol="0">
+            <a:spAutoFit/>
+          </a:bodyPr>
+          <a:lstStyle/>
+          <a:p>
+            <a:pPr marL="457200" indent="-457200">
+              <a:buFont typeface="Arial" panose="020B0604020202020204" pitchFamily="34" charset="0"/>
+              <a:buChar char="•"/>
+            </a:pPr>
+            <a:r>
+              <a:rPr lang="en-US" sz="2800" dirty="0">
+                <a:solidFill>
+                  <a:srgbClr val="660066"/>
+                </a:solidFill>
+              </a:rPr>
+              <a:t>Typically, Right Skewed</a:t>
+            </a:r>
+          </a:p>
+          <a:p>
+            <a:pPr marL="457200" indent="-457200">
+              <a:buFont typeface="Arial" panose="020B0604020202020204" pitchFamily="34" charset="0"/>
+              <a:buChar char="•"/>
+            </a:pPr>
+            <a:endParaRPr lang="en-US" sz="2800" dirty="0">
+              <a:solidFill>
+                <a:srgbClr val="660066"/>
+              </a:solidFill>
+            </a:endParaRPr>
+          </a:p>
+          <a:p>
+            <a:pPr marL="457200" indent="-457200">
+              <a:buFont typeface="Arial" panose="020B0604020202020204" pitchFamily="34" charset="0"/>
+              <a:buChar char="•"/>
+            </a:pPr>
+            <a:endParaRPr lang="en-US" sz="2800" dirty="0">
+              <a:solidFill>
+                <a:srgbClr val="660066"/>
+              </a:solidFill>
+            </a:endParaRPr>
+          </a:p>
+          <a:p>
+            <a:pPr marL="457200" indent="-457200">
+              <a:buFont typeface="Arial" panose="020B0604020202020204" pitchFamily="34" charset="0"/>
+              <a:buChar char="•"/>
+            </a:pPr>
+            <a:endParaRPr lang="en-US" sz="2800" dirty="0">
+              <a:solidFill>
+                <a:srgbClr val="660066"/>
+              </a:solidFill>
+            </a:endParaRPr>
+          </a:p>
+          <a:p>
+            <a:pPr marL="457200" indent="-457200">
+              <a:buFont typeface="Arial" panose="020B0604020202020204" pitchFamily="34" charset="0"/>
+              <a:buChar char="•"/>
+            </a:pPr>
+            <a:endParaRPr lang="en-US" sz="2800" dirty="0">
+              <a:solidFill>
+                <a:srgbClr val="660066"/>
+              </a:solidFill>
+            </a:endParaRPr>
+          </a:p>
+          <a:p>
+            <a:pPr marL="457200" indent="-457200">
+              <a:buFont typeface="Arial" panose="020B0604020202020204" pitchFamily="34" charset="0"/>
+              <a:buChar char="•"/>
+            </a:pPr>
+            <a:endParaRPr lang="en-US" sz="2800" dirty="0">
+              <a:solidFill>
+                <a:srgbClr val="660066"/>
+              </a:solidFill>
+            </a:endParaRPr>
+          </a:p>
+          <a:p>
+            <a:pPr marL="457200" indent="-457200">
+              <a:buFont typeface="Arial" panose="020B0604020202020204" pitchFamily="34" charset="0"/>
+              <a:buChar char="•"/>
+            </a:pPr>
+            <a:endParaRPr lang="en-US" sz="2800" dirty="0">
+              <a:solidFill>
+                <a:srgbClr val="660066"/>
+              </a:solidFill>
+            </a:endParaRPr>
+          </a:p>
+          <a:p>
+            <a:pPr marL="457200" indent="-457200">
+              <a:buFont typeface="Arial" panose="020B0604020202020204" pitchFamily="34" charset="0"/>
+              <a:buChar char="•"/>
+            </a:pPr>
+            <a:endParaRPr lang="en-US" sz="2800" dirty="0">
+              <a:solidFill>
+                <a:srgbClr val="660066"/>
+              </a:solidFill>
+            </a:endParaRPr>
+          </a:p>
+          <a:p>
+            <a:endParaRPr lang="en-US" sz="2800" dirty="0">
+              <a:solidFill>
+                <a:srgbClr val="660066"/>
+              </a:solidFill>
+            </a:endParaRPr>
+          </a:p>
+          <a:p>
+            <a:pPr marL="457200" indent="-457200">
+              <a:buFont typeface="Arial" panose="020B0604020202020204" pitchFamily="34" charset="0"/>
+              <a:buChar char="•"/>
+            </a:pPr>
+            <a:r>
+              <a:rPr lang="en-US" sz="2800" dirty="0">
+                <a:solidFill>
+                  <a:srgbClr val="660066"/>
+                </a:solidFill>
+              </a:rPr>
+              <a:t>Used Typically When Test Statistic is a Ratio of Variances</a:t>
+            </a:r>
+          </a:p>
+        </p:txBody>
+      </p:sp>
+      <p:pic>
+        <p:nvPicPr>
+          <p:cNvPr id="1026" name="Picture 2" descr="F distribution">
+            <a:extLst>
+              <a:ext uri="{FF2B5EF4-FFF2-40B4-BE49-F238E27FC236}">
+                <a16:creationId xmlns:a16="http://schemas.microsoft.com/office/drawing/2014/main" id="{D9199517-F442-1CFA-A34F-40B45E66E57F}"/>
+              </a:ext>
+            </a:extLst>
+          </p:cNvPr>
+          <p:cNvPicPr>
+            <a:picLocks noChangeAspect="1" noChangeArrowheads="1"/>
+          </p:cNvPicPr>
+          <p:nvPr/>
+        </p:nvPicPr>
+        <p:blipFill>
+          <a:blip r:embed="rId4">
+            <a:extLst>
+              <a:ext uri="{28A0092B-C50C-407E-A947-70E740481C1C}">
+                <a14:useLocalDpi xmlns:a14="http://schemas.microsoft.com/office/drawing/2010/main" val="0"/>
+              </a:ext>
+            </a:extLst>
+          </a:blip>
+          <a:srcRect/>
+          <a:stretch>
+            <a:fillRect/>
+          </a:stretch>
+        </p:blipFill>
+        <p:spPr bwMode="auto">
+          <a:xfrm>
+            <a:off x="1066800" y="2763301"/>
+            <a:ext cx="3480955" cy="3480955"/>
+          </a:xfrm>
+          <a:prstGeom prst="rect">
+            <a:avLst/>
+          </a:prstGeom>
+          <a:noFill/>
+          <a:extLst>
+            <a:ext uri="{909E8E84-426E-40DD-AFC4-6F175D3DCCD1}">
+              <a14:hiddenFill xmlns:a14="http://schemas.microsoft.com/office/drawing/2010/main">
+                <a:solidFill>
+                  <a:srgbClr val="FFFFFF"/>
+                </a:solidFill>
+              </a14:hiddenFill>
+            </a:ext>
+          </a:extLst>
+        </p:spPr>
+      </p:pic>
+      <mc:AlternateContent xmlns:mc="http://schemas.openxmlformats.org/markup-compatibility/2006">
+        <mc:Choice xmlns:a14="http://schemas.microsoft.com/office/drawing/2010/main" Requires="a14">
+          <p:sp>
+            <p:nvSpPr>
+              <p:cNvPr id="5" name="TextBox 4">
+                <a:extLst>
+                  <a:ext uri="{FF2B5EF4-FFF2-40B4-BE49-F238E27FC236}">
+                    <a16:creationId xmlns:a16="http://schemas.microsoft.com/office/drawing/2014/main" id="{1455B124-8467-AF63-567B-B99626D975AF}"/>
+                  </a:ext>
+                </a:extLst>
+              </p:cNvPr>
+              <p:cNvSpPr txBox="1"/>
+              <p:nvPr/>
+            </p:nvSpPr>
+            <p:spPr>
+              <a:xfrm>
+                <a:off x="7447508" y="5643236"/>
+                <a:ext cx="533400" cy="369332"/>
+              </a:xfrm>
+              <a:prstGeom prst="rect">
+                <a:avLst/>
+              </a:prstGeom>
+              <a:noFill/>
+            </p:spPr>
+            <p:txBody>
+              <a:bodyPr wrap="square" rtlCol="0">
+                <a:spAutoFit/>
+              </a:bodyPr>
+              <a:lstStyle/>
+              <a:p>
+                <a14:m>
+                  <m:oMathPara xmlns:m="http://schemas.openxmlformats.org/officeDocument/2006/math">
+                    <m:oMathParaPr>
+                      <m:jc m:val="centerGroup"/>
+                    </m:oMathParaPr>
+                    <m:oMath xmlns:m="http://schemas.openxmlformats.org/officeDocument/2006/math">
+                      <m:sSup>
+                        <m:sSupPr>
+                          <m:ctrlPr>
+                            <a:rPr lang="en-US" b="0" i="1" smtClean="0">
+                              <a:latin typeface="Cambria Math" panose="02040503050406030204" pitchFamily="18" charset="0"/>
+                            </a:rPr>
+                          </m:ctrlPr>
+                        </m:sSupPr>
+                        <m:e>
+                          <m:r>
+                            <a:rPr lang="en-US" b="0" i="1" smtClean="0">
+                              <a:latin typeface="Cambria Math" panose="02040503050406030204" pitchFamily="18" charset="0"/>
+                            </a:rPr>
+                            <m:t>𝐹</m:t>
+                          </m:r>
+                        </m:e>
+                        <m:sup>
+                          <m:r>
+                            <a:rPr lang="en-US" b="0" i="1" smtClean="0">
+                              <a:latin typeface="Cambria Math" panose="02040503050406030204" pitchFamily="18" charset="0"/>
+                            </a:rPr>
+                            <m:t>∗</m:t>
+                          </m:r>
+                        </m:sup>
+                      </m:sSup>
+                    </m:oMath>
+                  </m:oMathPara>
+                </a14:m>
+                <a:endParaRPr lang="en-US" dirty="0"/>
+              </a:p>
+            </p:txBody>
+          </p:sp>
+        </mc:Choice>
+        <mc:Fallback>
+          <p:sp>
+            <p:nvSpPr>
+              <p:cNvPr id="5" name="TextBox 4">
+                <a:extLst>
+                  <a:ext uri="{FF2B5EF4-FFF2-40B4-BE49-F238E27FC236}">
+                    <a16:creationId xmlns:a16="http://schemas.microsoft.com/office/drawing/2014/main" id="{1455B124-8467-AF63-567B-B99626D975AF}"/>
+                  </a:ext>
+                </a:extLst>
+              </p:cNvPr>
+              <p:cNvSpPr txBox="1">
+                <a:spLocks noRot="1" noChangeAspect="1" noMove="1" noResize="1" noEditPoints="1" noAdjustHandles="1" noChangeArrowheads="1" noChangeShapeType="1" noTextEdit="1"/>
+              </p:cNvSpPr>
+              <p:nvPr/>
+            </p:nvSpPr>
+            <p:spPr>
+              <a:xfrm>
+                <a:off x="7447508" y="5643236"/>
+                <a:ext cx="533400" cy="369332"/>
+              </a:xfrm>
+              <a:prstGeom prst="rect">
+                <a:avLst/>
+              </a:prstGeom>
+              <a:blipFill>
+                <a:blip r:embed="rId5"/>
+                <a:stretch>
+                  <a:fillRect/>
+                </a:stretch>
+              </a:blipFill>
+            </p:spPr>
+            <p:txBody>
+              <a:bodyPr/>
+              <a:lstStyle/>
+              <a:p>
+                <a:r>
+                  <a:rPr lang="en-US">
+                    <a:noFill/>
+                  </a:rPr>
+                  <a:t> </a:t>
+                </a:r>
+              </a:p>
+            </p:txBody>
+          </p:sp>
+        </mc:Fallback>
+      </mc:AlternateContent>
+      <p:pic>
+        <p:nvPicPr>
+          <p:cNvPr id="1028" name="Picture 4" descr="Find the p value from an F value">
+            <a:extLst>
+              <a:ext uri="{FF2B5EF4-FFF2-40B4-BE49-F238E27FC236}">
+                <a16:creationId xmlns:a16="http://schemas.microsoft.com/office/drawing/2014/main" id="{E346BD8C-0146-A476-30D3-487991BA08B4}"/>
+              </a:ext>
+            </a:extLst>
+          </p:cNvPr>
+          <p:cNvPicPr>
+            <a:picLocks noChangeAspect="1" noChangeArrowheads="1"/>
+          </p:cNvPicPr>
+          <p:nvPr/>
+        </p:nvPicPr>
+        <p:blipFill>
+          <a:blip r:embed="rId6" cstate="print">
+            <a:extLst>
+              <a:ext uri="{28A0092B-C50C-407E-A947-70E740481C1C}">
+                <a14:useLocalDpi xmlns:a14="http://schemas.microsoft.com/office/drawing/2010/main" val="0"/>
+              </a:ext>
+            </a:extLst>
+          </a:blip>
+          <a:srcRect/>
+          <a:stretch>
+            <a:fillRect/>
+          </a:stretch>
+        </p:blipFill>
+        <p:spPr bwMode="auto">
+          <a:xfrm>
+            <a:off x="5043055" y="2940249"/>
+            <a:ext cx="5875706" cy="2937853"/>
+          </a:xfrm>
+          <a:prstGeom prst="rect">
+            <a:avLst/>
+          </a:prstGeom>
+          <a:noFill/>
+          <a:extLst>
+            <a:ext uri="{909E8E84-426E-40DD-AFC4-6F175D3DCCD1}">
+              <a14:hiddenFill xmlns:a14="http://schemas.microsoft.com/office/drawing/2010/main">
+                <a:solidFill>
+                  <a:srgbClr val="FFFFFF"/>
+                </a:solidFill>
+              </a14:hiddenFill>
+            </a:ext>
+          </a:extLst>
+        </p:spPr>
+      </p:pic>
+      <p:cxnSp>
+        <p:nvCxnSpPr>
+          <p:cNvPr id="9" name="Straight Connector 8">
+            <a:extLst>
+              <a:ext uri="{FF2B5EF4-FFF2-40B4-BE49-F238E27FC236}">
+                <a16:creationId xmlns:a16="http://schemas.microsoft.com/office/drawing/2014/main" id="{6CE40817-00C5-2501-BB22-EF2225015713}"/>
+              </a:ext>
+            </a:extLst>
+          </p:cNvPr>
+          <p:cNvCxnSpPr>
+            <a:cxnSpLocks/>
+          </p:cNvCxnSpPr>
+          <p:nvPr/>
+        </p:nvCxnSpPr>
+        <p:spPr>
+          <a:xfrm>
+            <a:off x="7696200" y="5486400"/>
+            <a:ext cx="0" cy="156836"/>
+          </a:xfrm>
+          <a:prstGeom prst="line">
+            <a:avLst/>
+          </a:prstGeom>
+          <a:ln w="76200">
+            <a:solidFill>
+              <a:srgbClr val="660066"/>
+            </a:solidFill>
+          </a:ln>
+        </p:spPr>
+        <p:style>
+          <a:lnRef idx="1">
+            <a:schemeClr val="accent1"/>
+          </a:lnRef>
+          <a:fillRef idx="0">
+            <a:schemeClr val="accent1"/>
+          </a:fillRef>
+          <a:effectRef idx="0">
+            <a:schemeClr val="accent1"/>
+          </a:effectRef>
+          <a:fontRef idx="minor">
+            <a:schemeClr val="tx1"/>
+          </a:fontRef>
+        </p:style>
+      </p:cxnSp>
+      <p:sp>
+        <p:nvSpPr>
+          <p:cNvPr id="13" name="TextBox 12">
+            <a:extLst>
+              <a:ext uri="{FF2B5EF4-FFF2-40B4-BE49-F238E27FC236}">
+                <a16:creationId xmlns:a16="http://schemas.microsoft.com/office/drawing/2014/main" id="{358604A1-3D77-D968-90A3-F0B984938E99}"/>
+              </a:ext>
+            </a:extLst>
+          </p:cNvPr>
+          <p:cNvSpPr txBox="1"/>
+          <p:nvPr/>
+        </p:nvSpPr>
+        <p:spPr>
+          <a:xfrm>
+            <a:off x="7878731" y="4865114"/>
+            <a:ext cx="2286000" cy="369332"/>
           </a:xfrm>
           <a:prstGeom prst="rect">
             <a:avLst/>
@@ -17582,57 +20166,9 @@
           </a:bodyPr>
           <a:lstStyle/>
           <a:p>
-            <a:pPr algn="ctr"/>
             <a:r>
-              <a:rPr lang="en-US" sz="12000" dirty="0">
-                <a:solidFill>
-                  <a:srgbClr val="2D3A37"/>
-                </a:solidFill>
-                <a:latin typeface="Adobe Devanagari" panose="02040503050201020203" pitchFamily="18" charset="0"/>
-                <a:cs typeface="Adobe Devanagari" panose="02040503050201020203" pitchFamily="18" charset="0"/>
-              </a:rPr>
-              <a:t>Thank You</a:t>
-            </a:r>
-          </a:p>
-        </p:txBody>
-      </p:sp>
-      <p:sp>
-        <p:nvSpPr>
-          <p:cNvPr id="8" name="TextBox 7">
-            <a:extLst>
-              <a:ext uri="{FF2B5EF4-FFF2-40B4-BE49-F238E27FC236}">
-                <a16:creationId xmlns:a16="http://schemas.microsoft.com/office/drawing/2014/main" id="{D782FFA3-2177-56BA-6786-898DA3D642FF}"/>
-              </a:ext>
-            </a:extLst>
-          </p:cNvPr>
-          <p:cNvSpPr txBox="1"/>
-          <p:nvPr/>
-        </p:nvSpPr>
-        <p:spPr>
-          <a:xfrm>
-            <a:off x="952490" y="2713031"/>
-            <a:ext cx="10287001" cy="800219"/>
-          </a:xfrm>
-          <a:prstGeom prst="rect">
-            <a:avLst/>
-          </a:prstGeom>
-          <a:noFill/>
-        </p:spPr>
-        <p:txBody>
-          <a:bodyPr wrap="square" rtlCol="0">
-            <a:spAutoFit/>
-          </a:bodyPr>
-          <a:lstStyle/>
-          <a:p>
-            <a:pPr algn="ctr"/>
-            <a:r>
-              <a:rPr lang="en-US" sz="4600" i="1" dirty="0">
-                <a:solidFill>
-                  <a:srgbClr val="660066"/>
-                </a:solidFill>
-                <a:cs typeface="Adobe Devanagari" panose="02040503050201020203" pitchFamily="18" charset="0"/>
-              </a:rPr>
-              <a:t>Make Reasonable Decisions</a:t>
+              <a:rPr lang="en-US" dirty="0"/>
+              <a:t>P-value is shaded area</a:t>
             </a:r>
           </a:p>
         </p:txBody>
@@ -17640,7 +20176,7 @@
     </p:spTree>
     <p:extLst>
       <p:ext uri="{BB962C8B-B14F-4D97-AF65-F5344CB8AC3E}">
-        <p14:creationId xmlns:p14="http://schemas.microsoft.com/office/powerpoint/2010/main" val="3266410475"/>
+        <p14:creationId xmlns:p14="http://schemas.microsoft.com/office/powerpoint/2010/main" val="1108026386"/>
       </p:ext>
     </p:extLst>
   </p:cSld>

--- a/Lectures/10 - Partitioning Variability - ANOVA.pptx
+++ b/Lectures/10 - Partitioning Variability - ANOVA.pptx
@@ -5269,8 +5269,29 @@
                 <a:ea typeface="+mn-ea"/>
                 <a:cs typeface="+mn-cs"/>
               </a:rPr>
-              <a:t>Assigned: 		midterm 1</a:t>
+              <a:t>Assigned: 	</a:t>
             </a:r>
+            <a:r>
+              <a:rPr lang="en-US" sz="2000" b="0">
+                <a:solidFill>
+                  <a:srgbClr val="660066"/>
+                </a:solidFill>
+                <a:effectLst/>
+                <a:latin typeface="+mn-lt"/>
+                <a:ea typeface="+mn-ea"/>
+                <a:cs typeface="+mn-cs"/>
+              </a:rPr>
+              <a:t>	HW 6</a:t>
+            </a:r>
+            <a:endParaRPr lang="en-US" sz="2000" b="0" dirty="0">
+              <a:solidFill>
+                <a:srgbClr val="660066"/>
+              </a:solidFill>
+              <a:effectLst/>
+              <a:latin typeface="+mn-lt"/>
+              <a:ea typeface="+mn-ea"/>
+              <a:cs typeface="+mn-cs"/>
+            </a:endParaRPr>
           </a:p>
           <a:p>
             <a:pPr algn="l">
@@ -11349,8 +11370,8 @@
           </a:p>
         </p:txBody>
       </p:sp>
-      <mc:AlternateContent xmlns:mc="http://schemas.openxmlformats.org/markup-compatibility/2006">
-        <mc:Choice xmlns:a14="http://schemas.microsoft.com/office/drawing/2010/main" Requires="a14">
+      <mc:AlternateContent xmlns:mc="http://schemas.openxmlformats.org/markup-compatibility/2006" xmlns:a14="http://schemas.microsoft.com/office/drawing/2010/main">
+        <mc:Choice Requires="a14">
           <p:sp>
             <p:nvSpPr>
               <p:cNvPr id="7" name="TextBox 6">
@@ -11621,7 +11642,7 @@
             </p:txBody>
           </p:sp>
         </mc:Choice>
-        <mc:Fallback>
+        <mc:Fallback xmlns="">
           <p:sp>
             <p:nvSpPr>
               <p:cNvPr id="7" name="TextBox 6">
@@ -19286,8 +19307,8 @@
           </a:p>
         </p:txBody>
       </p:sp>
-      <mc:AlternateContent xmlns:mc="http://schemas.openxmlformats.org/markup-compatibility/2006">
-        <mc:Choice xmlns:a14="http://schemas.microsoft.com/office/drawing/2010/main" Requires="a14">
+      <mc:AlternateContent xmlns:mc="http://schemas.openxmlformats.org/markup-compatibility/2006" xmlns:a14="http://schemas.microsoft.com/office/drawing/2010/main">
+        <mc:Choice Requires="a14">
           <p:sp>
             <p:nvSpPr>
               <p:cNvPr id="4" name="TextBox 3">
@@ -19491,7 +19512,7 @@
             </p:txBody>
           </p:sp>
         </mc:Choice>
-        <mc:Fallback>
+        <mc:Fallback xmlns="">
           <p:sp>
             <p:nvSpPr>
               <p:cNvPr id="4" name="TextBox 3">
@@ -19934,8 +19955,8 @@
           </a:extLst>
         </p:spPr>
       </p:pic>
-      <mc:AlternateContent xmlns:mc="http://schemas.openxmlformats.org/markup-compatibility/2006">
-        <mc:Choice xmlns:a14="http://schemas.microsoft.com/office/drawing/2010/main" Requires="a14">
+      <mc:AlternateContent xmlns:mc="http://schemas.openxmlformats.org/markup-compatibility/2006" xmlns:a14="http://schemas.microsoft.com/office/drawing/2010/main">
+        <mc:Choice Requires="a14">
           <p:sp>
             <p:nvSpPr>
               <p:cNvPr id="5" name="TextBox 4">
@@ -19964,6 +19985,7 @@
               </a:bodyPr>
               <a:lstStyle/>
               <a:p>
+                <a:pPr/>
                 <a14:m>
                   <m:oMathPara xmlns:m="http://schemas.openxmlformats.org/officeDocument/2006/math">
                     <m:oMathParaPr>
@@ -20003,7 +20025,7 @@
             </p:txBody>
           </p:sp>
         </mc:Choice>
-        <mc:Fallback>
+        <mc:Fallback xmlns="">
           <p:sp>
             <p:nvSpPr>
               <p:cNvPr id="5" name="TextBox 4">
